--- a/tutorial33/tutorial33.pptx
+++ b/tutorial33/tutorial33.pptx
@@ -8,8 +8,6 @@
     <p:sldId id="256" r:id="rId2"/>
     <p:sldId id="259" r:id="rId3"/>
     <p:sldId id="260" r:id="rId4"/>
-    <p:sldId id="261" r:id="rId5"/>
-    <p:sldId id="262" r:id="rId6"/>
   </p:sldIdLst>
   <p:sldSz cx="12192000" cy="6858000"/>
   <p:notesSz cx="6858000" cy="9144000"/>
@@ -110,7 +108,7 @@
   </p:defaultTextStyle>
   <p:extLst>
     <p:ext uri="{EFAFB233-063F-42B5-8137-9DF3F51BA10A}">
-      <p15:sldGuideLst xmlns="" xmlns:p15="http://schemas.microsoft.com/office/powerpoint/2012/main">
+      <p15:sldGuideLst xmlns:p15="http://schemas.microsoft.com/office/powerpoint/2012/main">
         <p15:guide id="1" orient="horz" pos="2160">
           <p15:clr>
             <a:srgbClr val="A4A3A4"/>
@@ -149,7 +147,7 @@
           <p:cNvPr id="14" name="Rectangle 13">
             <a:extLst>
               <a:ext uri="{FF2B5EF4-FFF2-40B4-BE49-F238E27FC236}">
-                <a16:creationId xmlns="" xmlns:a16="http://schemas.microsoft.com/office/drawing/2014/main" id="{9D3B3C7E-BC2D-4436-8B03-AC421FA66787}"/>
+                <a16:creationId xmlns:a16="http://schemas.microsoft.com/office/drawing/2014/main" id="{9D3B3C7E-BC2D-4436-8B03-AC421FA66787}"/>
               </a:ext>
             </a:extLst>
           </p:cNvPr>
@@ -201,7 +199,7 @@
           <p:cNvPr id="2" name="Title 1">
             <a:extLst>
               <a:ext uri="{FF2B5EF4-FFF2-40B4-BE49-F238E27FC236}">
-                <a16:creationId xmlns="" xmlns:a16="http://schemas.microsoft.com/office/drawing/2014/main" id="{0B66887E-4265-46F7-9DE0-605FFFC90761}"/>
+                <a16:creationId xmlns:a16="http://schemas.microsoft.com/office/drawing/2014/main" id="{0B66887E-4265-46F7-9DE0-605FFFC90761}"/>
               </a:ext>
             </a:extLst>
           </p:cNvPr>
@@ -243,7 +241,7 @@
           <p:cNvPr id="3" name="Subtitle 2">
             <a:extLst>
               <a:ext uri="{FF2B5EF4-FFF2-40B4-BE49-F238E27FC236}">
-                <a16:creationId xmlns="" xmlns:a16="http://schemas.microsoft.com/office/drawing/2014/main" id="{7EDB1A74-54F5-45CA-8922-87FFD57515D4}"/>
+                <a16:creationId xmlns:a16="http://schemas.microsoft.com/office/drawing/2014/main" id="{7EDB1A74-54F5-45CA-8922-87FFD57515D4}"/>
               </a:ext>
             </a:extLst>
           </p:cNvPr>
@@ -318,7 +316,7 @@
           <p:cNvPr id="4" name="Date Placeholder 3">
             <a:extLst>
               <a:ext uri="{FF2B5EF4-FFF2-40B4-BE49-F238E27FC236}">
-                <a16:creationId xmlns="" xmlns:a16="http://schemas.microsoft.com/office/drawing/2014/main" id="{0B6BE6EF-9D0F-4ABF-B92C-E967FE3F16CF}"/>
+                <a16:creationId xmlns:a16="http://schemas.microsoft.com/office/drawing/2014/main" id="{0B6BE6EF-9D0F-4ABF-B92C-E967FE3F16CF}"/>
               </a:ext>
             </a:extLst>
           </p:cNvPr>
@@ -336,7 +334,7 @@
           <a:p>
             <a:fld id="{C485584D-7D79-4248-9986-4CA35242F944}" type="datetimeFigureOut">
               <a:rPr lang="en-US" smtClean="0"/>
-              <a:t>1/21/2024</a:t>
+              <a:t>1/21/24</a:t>
             </a:fld>
             <a:endParaRPr lang="en-US"/>
           </a:p>
@@ -347,7 +345,7 @@
           <p:cNvPr id="5" name="Footer Placeholder 4">
             <a:extLst>
               <a:ext uri="{FF2B5EF4-FFF2-40B4-BE49-F238E27FC236}">
-                <a16:creationId xmlns="" xmlns:a16="http://schemas.microsoft.com/office/drawing/2014/main" id="{4E4AB150-954C-4F02-89AC-DA7163D75C39}"/>
+                <a16:creationId xmlns:a16="http://schemas.microsoft.com/office/drawing/2014/main" id="{4E4AB150-954C-4F02-89AC-DA7163D75C39}"/>
               </a:ext>
             </a:extLst>
           </p:cNvPr>
@@ -377,7 +375,7 @@
           <p:cNvPr id="6" name="Slide Number Placeholder 5">
             <a:extLst>
               <a:ext uri="{FF2B5EF4-FFF2-40B4-BE49-F238E27FC236}">
-                <a16:creationId xmlns="" xmlns:a16="http://schemas.microsoft.com/office/drawing/2014/main" id="{E8E16270-CBD7-4ACC-BFC5-9CADE7226688}"/>
+                <a16:creationId xmlns:a16="http://schemas.microsoft.com/office/drawing/2014/main" id="{E8E16270-CBD7-4ACC-BFC5-9CADE7226688}"/>
               </a:ext>
             </a:extLst>
           </p:cNvPr>
@@ -406,7 +404,7 @@
           <p:cNvPr id="7" name="Group 6">
             <a:extLst>
               <a:ext uri="{FF2B5EF4-FFF2-40B4-BE49-F238E27FC236}">
-                <a16:creationId xmlns="" xmlns:a16="http://schemas.microsoft.com/office/drawing/2014/main" id="{79B5D0C1-066E-4C02-A6B8-59FAE4A19724}"/>
+                <a16:creationId xmlns:a16="http://schemas.microsoft.com/office/drawing/2014/main" id="{79B5D0C1-066E-4C02-A6B8-59FAE4A19724}"/>
               </a:ext>
             </a:extLst>
           </p:cNvPr>
@@ -426,7 +424,7 @@
             <p:cNvPr id="8" name="Rectangle 7">
               <a:extLst>
                 <a:ext uri="{FF2B5EF4-FFF2-40B4-BE49-F238E27FC236}">
-                  <a16:creationId xmlns="" xmlns:a16="http://schemas.microsoft.com/office/drawing/2014/main" id="{D4386904-AFDC-449E-8D1B-906B305EBDA7}"/>
+                  <a16:creationId xmlns:a16="http://schemas.microsoft.com/office/drawing/2014/main" id="{D4386904-AFDC-449E-8D1B-906B305EBDA7}"/>
                 </a:ext>
               </a:extLst>
             </p:cNvPr>
@@ -489,7 +487,7 @@
             <p:cNvPr id="9" name="Straight Connector 8">
               <a:extLst>
                 <a:ext uri="{FF2B5EF4-FFF2-40B4-BE49-F238E27FC236}">
-                  <a16:creationId xmlns="" xmlns:a16="http://schemas.microsoft.com/office/drawing/2014/main" id="{F70778F2-11E8-428C-8324-479CA9D6FE92}"/>
+                  <a16:creationId xmlns:a16="http://schemas.microsoft.com/office/drawing/2014/main" id="{F70778F2-11E8-428C-8324-479CA9D6FE92}"/>
                 </a:ext>
               </a:extLst>
             </p:cNvPr>
@@ -530,7 +528,7 @@
             <p:cNvPr id="10" name="Straight Connector 9">
               <a:extLst>
                 <a:ext uri="{FF2B5EF4-FFF2-40B4-BE49-F238E27FC236}">
-                  <a16:creationId xmlns="" xmlns:a16="http://schemas.microsoft.com/office/drawing/2014/main" id="{4A0BE89E-CB2D-48BA-A8D2-533FAAAA725F}"/>
+                  <a16:creationId xmlns:a16="http://schemas.microsoft.com/office/drawing/2014/main" id="{4A0BE89E-CB2D-48BA-A8D2-533FAAAA725F}"/>
                 </a:ext>
               </a:extLst>
             </p:cNvPr>
@@ -602,7 +600,7 @@
           <p:cNvPr id="2" name="Title 1">
             <a:extLst>
               <a:ext uri="{FF2B5EF4-FFF2-40B4-BE49-F238E27FC236}">
-                <a16:creationId xmlns="" xmlns:a16="http://schemas.microsoft.com/office/drawing/2014/main" id="{05DB1126-542A-43AD-8078-EE3565165448}"/>
+                <a16:creationId xmlns:a16="http://schemas.microsoft.com/office/drawing/2014/main" id="{05DB1126-542A-43AD-8078-EE3565165448}"/>
               </a:ext>
             </a:extLst>
           </p:cNvPr>
@@ -630,7 +628,7 @@
           <p:cNvPr id="3" name="Vertical Text Placeholder 2">
             <a:extLst>
               <a:ext uri="{FF2B5EF4-FFF2-40B4-BE49-F238E27FC236}">
-                <a16:creationId xmlns="" xmlns:a16="http://schemas.microsoft.com/office/drawing/2014/main" id="{A4A5F98B-5F32-4561-BFBC-9F6E5DA0A347}"/>
+                <a16:creationId xmlns:a16="http://schemas.microsoft.com/office/drawing/2014/main" id="{A4A5F98B-5F32-4561-BFBC-9F6E5DA0A347}"/>
               </a:ext>
             </a:extLst>
           </p:cNvPr>
@@ -692,7 +690,7 @@
           <p:cNvPr id="4" name="Date Placeholder 3">
             <a:extLst>
               <a:ext uri="{FF2B5EF4-FFF2-40B4-BE49-F238E27FC236}">
-                <a16:creationId xmlns="" xmlns:a16="http://schemas.microsoft.com/office/drawing/2014/main" id="{F773D0DD-B04E-4E48-8EE1-51E46131A9A2}"/>
+                <a16:creationId xmlns:a16="http://schemas.microsoft.com/office/drawing/2014/main" id="{F773D0DD-B04E-4E48-8EE1-51E46131A9A2}"/>
               </a:ext>
             </a:extLst>
           </p:cNvPr>
@@ -710,7 +708,7 @@
           <a:p>
             <a:fld id="{C485584D-7D79-4248-9986-4CA35242F944}" type="datetimeFigureOut">
               <a:rPr lang="en-US" smtClean="0"/>
-              <a:t>1/21/2024</a:t>
+              <a:t>1/21/24</a:t>
             </a:fld>
             <a:endParaRPr lang="en-US"/>
           </a:p>
@@ -721,7 +719,7 @@
           <p:cNvPr id="5" name="Footer Placeholder 4">
             <a:extLst>
               <a:ext uri="{FF2B5EF4-FFF2-40B4-BE49-F238E27FC236}">
-                <a16:creationId xmlns="" xmlns:a16="http://schemas.microsoft.com/office/drawing/2014/main" id="{0481352D-F9C0-4442-9601-A09A7655E685}"/>
+                <a16:creationId xmlns:a16="http://schemas.microsoft.com/office/drawing/2014/main" id="{0481352D-F9C0-4442-9601-A09A7655E685}"/>
               </a:ext>
             </a:extLst>
           </p:cNvPr>
@@ -746,7 +744,7 @@
           <p:cNvPr id="6" name="Slide Number Placeholder 5">
             <a:extLst>
               <a:ext uri="{FF2B5EF4-FFF2-40B4-BE49-F238E27FC236}">
-                <a16:creationId xmlns="" xmlns:a16="http://schemas.microsoft.com/office/drawing/2014/main" id="{69FC0801-9C45-40AE-AB33-5742CDA4DAC7}"/>
+                <a16:creationId xmlns:a16="http://schemas.microsoft.com/office/drawing/2014/main" id="{69FC0801-9C45-40AE-AB33-5742CDA4DAC7}"/>
               </a:ext>
             </a:extLst>
           </p:cNvPr>
@@ -805,7 +803,7 @@
           <p:cNvPr id="2" name="Vertical Title 1">
             <a:extLst>
               <a:ext uri="{FF2B5EF4-FFF2-40B4-BE49-F238E27FC236}">
-                <a16:creationId xmlns="" xmlns:a16="http://schemas.microsoft.com/office/drawing/2014/main" id="{4E946561-59BF-4566-AD2C-9B05C4771DF4}"/>
+                <a16:creationId xmlns:a16="http://schemas.microsoft.com/office/drawing/2014/main" id="{4E946561-59BF-4566-AD2C-9B05C4771DF4}"/>
               </a:ext>
             </a:extLst>
           </p:cNvPr>
@@ -839,7 +837,7 @@
           <p:cNvPr id="3" name="Vertical Text Placeholder 2">
             <a:extLst>
               <a:ext uri="{FF2B5EF4-FFF2-40B4-BE49-F238E27FC236}">
-                <a16:creationId xmlns="" xmlns:a16="http://schemas.microsoft.com/office/drawing/2014/main" id="{A1DF7870-6CBD-47E2-854C-68141BAA101D}"/>
+                <a16:creationId xmlns:a16="http://schemas.microsoft.com/office/drawing/2014/main" id="{A1DF7870-6CBD-47E2-854C-68141BAA101D}"/>
               </a:ext>
             </a:extLst>
           </p:cNvPr>
@@ -902,7 +900,7 @@
           <p:cNvPr id="4" name="Date Placeholder 3">
             <a:extLst>
               <a:ext uri="{FF2B5EF4-FFF2-40B4-BE49-F238E27FC236}">
-                <a16:creationId xmlns="" xmlns:a16="http://schemas.microsoft.com/office/drawing/2014/main" id="{8712FAF3-C106-49CB-A845-1FC7F731399D}"/>
+                <a16:creationId xmlns:a16="http://schemas.microsoft.com/office/drawing/2014/main" id="{8712FAF3-C106-49CB-A845-1FC7F731399D}"/>
               </a:ext>
             </a:extLst>
           </p:cNvPr>
@@ -920,7 +918,7 @@
           <a:p>
             <a:fld id="{C485584D-7D79-4248-9986-4CA35242F944}" type="datetimeFigureOut">
               <a:rPr lang="en-US" smtClean="0"/>
-              <a:t>1/21/2024</a:t>
+              <a:t>1/21/24</a:t>
             </a:fld>
             <a:endParaRPr lang="en-US"/>
           </a:p>
@@ -931,7 +929,7 @@
           <p:cNvPr id="5" name="Footer Placeholder 4">
             <a:extLst>
               <a:ext uri="{FF2B5EF4-FFF2-40B4-BE49-F238E27FC236}">
-                <a16:creationId xmlns="" xmlns:a16="http://schemas.microsoft.com/office/drawing/2014/main" id="{E34D5CCC-00E8-48FA-91A6-921E7B6440EB}"/>
+                <a16:creationId xmlns:a16="http://schemas.microsoft.com/office/drawing/2014/main" id="{E34D5CCC-00E8-48FA-91A6-921E7B6440EB}"/>
               </a:ext>
             </a:extLst>
           </p:cNvPr>
@@ -956,7 +954,7 @@
           <p:cNvPr id="6" name="Slide Number Placeholder 5">
             <a:extLst>
               <a:ext uri="{FF2B5EF4-FFF2-40B4-BE49-F238E27FC236}">
-                <a16:creationId xmlns="" xmlns:a16="http://schemas.microsoft.com/office/drawing/2014/main" id="{CB7E1751-E7AA-406D-A977-1ACEF1FBD134}"/>
+                <a16:creationId xmlns:a16="http://schemas.microsoft.com/office/drawing/2014/main" id="{CB7E1751-E7AA-406D-A977-1ACEF1FBD134}"/>
               </a:ext>
             </a:extLst>
           </p:cNvPr>
@@ -1015,7 +1013,7 @@
           <p:cNvPr id="2" name="Title 1">
             <a:extLst>
               <a:ext uri="{FF2B5EF4-FFF2-40B4-BE49-F238E27FC236}">
-                <a16:creationId xmlns="" xmlns:a16="http://schemas.microsoft.com/office/drawing/2014/main" id="{E8D2DC87-4B97-4A7C-BC4C-6E7724561615}"/>
+                <a16:creationId xmlns:a16="http://schemas.microsoft.com/office/drawing/2014/main" id="{E8D2DC87-4B97-4A7C-BC4C-6E7724561615}"/>
               </a:ext>
             </a:extLst>
           </p:cNvPr>
@@ -1044,7 +1042,7 @@
           <p:cNvPr id="3" name="Content Placeholder 2">
             <a:extLst>
               <a:ext uri="{FF2B5EF4-FFF2-40B4-BE49-F238E27FC236}">
-                <a16:creationId xmlns="" xmlns:a16="http://schemas.microsoft.com/office/drawing/2014/main" id="{F4B59FD9-57FD-4ABA-9FCD-7954052534CF}"/>
+                <a16:creationId xmlns:a16="http://schemas.microsoft.com/office/drawing/2014/main" id="{F4B59FD9-57FD-4ABA-9FCD-7954052534CF}"/>
               </a:ext>
             </a:extLst>
           </p:cNvPr>
@@ -1101,7 +1099,7 @@
           <p:cNvPr id="4" name="Date Placeholder 3">
             <a:extLst>
               <a:ext uri="{FF2B5EF4-FFF2-40B4-BE49-F238E27FC236}">
-                <a16:creationId xmlns="" xmlns:a16="http://schemas.microsoft.com/office/drawing/2014/main" id="{E87BD40E-B0AA-47B8-900F-488A8AEC1BC2}"/>
+                <a16:creationId xmlns:a16="http://schemas.microsoft.com/office/drawing/2014/main" id="{E87BD40E-B0AA-47B8-900F-488A8AEC1BC2}"/>
               </a:ext>
             </a:extLst>
           </p:cNvPr>
@@ -1119,7 +1117,7 @@
           <a:p>
             <a:fld id="{C485584D-7D79-4248-9986-4CA35242F944}" type="datetimeFigureOut">
               <a:rPr lang="en-US" smtClean="0"/>
-              <a:t>1/21/2024</a:t>
+              <a:t>1/21/24</a:t>
             </a:fld>
             <a:endParaRPr lang="en-US"/>
           </a:p>
@@ -1130,7 +1128,7 @@
           <p:cNvPr id="5" name="Footer Placeholder 4">
             <a:extLst>
               <a:ext uri="{FF2B5EF4-FFF2-40B4-BE49-F238E27FC236}">
-                <a16:creationId xmlns="" xmlns:a16="http://schemas.microsoft.com/office/drawing/2014/main" id="{865E623C-1E35-4485-A5B4-A71969BE706F}"/>
+                <a16:creationId xmlns:a16="http://schemas.microsoft.com/office/drawing/2014/main" id="{865E623C-1E35-4485-A5B4-A71969BE706F}"/>
               </a:ext>
             </a:extLst>
           </p:cNvPr>
@@ -1155,7 +1153,7 @@
           <p:cNvPr id="6" name="Slide Number Placeholder 5">
             <a:extLst>
               <a:ext uri="{FF2B5EF4-FFF2-40B4-BE49-F238E27FC236}">
-                <a16:creationId xmlns="" xmlns:a16="http://schemas.microsoft.com/office/drawing/2014/main" id="{4B5C6BB9-EF4F-465E-985B-34521F68C583}"/>
+                <a16:creationId xmlns:a16="http://schemas.microsoft.com/office/drawing/2014/main" id="{4B5C6BB9-EF4F-465E-985B-34521F68C583}"/>
               </a:ext>
             </a:extLst>
           </p:cNvPr>
@@ -1214,7 +1212,7 @@
           <p:cNvPr id="4" name="Date Placeholder 3">
             <a:extLst>
               <a:ext uri="{FF2B5EF4-FFF2-40B4-BE49-F238E27FC236}">
-                <a16:creationId xmlns="" xmlns:a16="http://schemas.microsoft.com/office/drawing/2014/main" id="{587F5577-D71B-4279-B07A-62F703E5D1DC}"/>
+                <a16:creationId xmlns:a16="http://schemas.microsoft.com/office/drawing/2014/main" id="{587F5577-D71B-4279-B07A-62F703E5D1DC}"/>
               </a:ext>
             </a:extLst>
           </p:cNvPr>
@@ -1232,7 +1230,7 @@
           <a:p>
             <a:fld id="{C485584D-7D79-4248-9986-4CA35242F944}" type="datetimeFigureOut">
               <a:rPr lang="en-US" smtClean="0"/>
-              <a:t>1/21/2024</a:t>
+              <a:t>1/21/24</a:t>
             </a:fld>
             <a:endParaRPr lang="en-US"/>
           </a:p>
@@ -1243,7 +1241,7 @@
           <p:cNvPr id="5" name="Footer Placeholder 4">
             <a:extLst>
               <a:ext uri="{FF2B5EF4-FFF2-40B4-BE49-F238E27FC236}">
-                <a16:creationId xmlns="" xmlns:a16="http://schemas.microsoft.com/office/drawing/2014/main" id="{F648367D-C35C-4023-BEBE-F834D033B0CC}"/>
+                <a16:creationId xmlns:a16="http://schemas.microsoft.com/office/drawing/2014/main" id="{F648367D-C35C-4023-BEBE-F834D033B0CC}"/>
               </a:ext>
             </a:extLst>
           </p:cNvPr>
@@ -1268,7 +1266,7 @@
           <p:cNvPr id="6" name="Slide Number Placeholder 5">
             <a:extLst>
               <a:ext uri="{FF2B5EF4-FFF2-40B4-BE49-F238E27FC236}">
-                <a16:creationId xmlns="" xmlns:a16="http://schemas.microsoft.com/office/drawing/2014/main" id="{22BFCF8A-B8C6-496A-98A5-BBB52DB70F16}"/>
+                <a16:creationId xmlns:a16="http://schemas.microsoft.com/office/drawing/2014/main" id="{22BFCF8A-B8C6-496A-98A5-BBB52DB70F16}"/>
               </a:ext>
             </a:extLst>
           </p:cNvPr>
@@ -1297,10 +1295,10 @@
           <p:cNvPr id="11" name="Rectangle 5">
             <a:extLst>
               <a:ext uri="{FF2B5EF4-FFF2-40B4-BE49-F238E27FC236}">
-                <a16:creationId xmlns="" xmlns:a16="http://schemas.microsoft.com/office/drawing/2014/main" id="{CDE45C10-227D-42DF-A888-EEFD3784FA8E}"/>
+                <a16:creationId xmlns:a16="http://schemas.microsoft.com/office/drawing/2014/main" id="{CDE45C10-227D-42DF-A888-EEFD3784FA8E}"/>
               </a:ext>
               <a:ext uri="{C183D7F6-B498-43B3-948B-1728B52AA6E4}">
-                <adec:decorative xmlns="" xmlns:adec="http://schemas.microsoft.com/office/drawing/2017/decorative" val="1"/>
+                <adec:decorative xmlns:adec="http://schemas.microsoft.com/office/drawing/2017/decorative" val="1"/>
               </a:ext>
             </a:extLst>
           </p:cNvPr>
@@ -1435,10 +1433,10 @@
           <p:cNvPr id="7" name="Group 6">
             <a:extLst>
               <a:ext uri="{FF2B5EF4-FFF2-40B4-BE49-F238E27FC236}">
-                <a16:creationId xmlns="" xmlns:a16="http://schemas.microsoft.com/office/drawing/2014/main" id="{DA214944-8898-48BC-AE6F-065DA7BBB8E8}"/>
+                <a16:creationId xmlns:a16="http://schemas.microsoft.com/office/drawing/2014/main" id="{DA214944-8898-48BC-AE6F-065DA7BBB8E8}"/>
               </a:ext>
               <a:ext uri="{C183D7F6-B498-43B3-948B-1728B52AA6E4}">
-                <adec:decorative xmlns="" xmlns:adec="http://schemas.microsoft.com/office/drawing/2017/decorative" val="1"/>
+                <adec:decorative xmlns:adec="http://schemas.microsoft.com/office/drawing/2017/decorative" val="1"/>
               </a:ext>
             </a:extLst>
           </p:cNvPr>
@@ -1458,7 +1456,7 @@
             <p:cNvPr id="8" name="Rectangle 7">
               <a:extLst>
                 <a:ext uri="{FF2B5EF4-FFF2-40B4-BE49-F238E27FC236}">
-                  <a16:creationId xmlns="" xmlns:a16="http://schemas.microsoft.com/office/drawing/2014/main" id="{B94B3AAB-30C4-441D-B481-D253F8325953}"/>
+                  <a16:creationId xmlns:a16="http://schemas.microsoft.com/office/drawing/2014/main" id="{B94B3AAB-30C4-441D-B481-D253F8325953}"/>
                 </a:ext>
               </a:extLst>
             </p:cNvPr>
@@ -1521,7 +1519,7 @@
             <p:cNvPr id="9" name="Straight Connector 8">
               <a:extLst>
                 <a:ext uri="{FF2B5EF4-FFF2-40B4-BE49-F238E27FC236}">
-                  <a16:creationId xmlns="" xmlns:a16="http://schemas.microsoft.com/office/drawing/2014/main" id="{FDCB6176-5585-40BC-BC9C-CA625F989F1B}"/>
+                  <a16:creationId xmlns:a16="http://schemas.microsoft.com/office/drawing/2014/main" id="{FDCB6176-5585-40BC-BC9C-CA625F989F1B}"/>
                 </a:ext>
               </a:extLst>
             </p:cNvPr>
@@ -1562,7 +1560,7 @@
             <p:cNvPr id="10" name="Straight Connector 9">
               <a:extLst>
                 <a:ext uri="{FF2B5EF4-FFF2-40B4-BE49-F238E27FC236}">
-                  <a16:creationId xmlns="" xmlns:a16="http://schemas.microsoft.com/office/drawing/2014/main" id="{77C4F1D9-97D8-43DD-A319-C56367F97FCE}"/>
+                  <a16:creationId xmlns:a16="http://schemas.microsoft.com/office/drawing/2014/main" id="{77C4F1D9-97D8-43DD-A319-C56367F97FCE}"/>
                 </a:ext>
               </a:extLst>
             </p:cNvPr>
@@ -1604,7 +1602,7 @@
           <p:cNvPr id="2" name="Title 1">
             <a:extLst>
               <a:ext uri="{FF2B5EF4-FFF2-40B4-BE49-F238E27FC236}">
-                <a16:creationId xmlns="" xmlns:a16="http://schemas.microsoft.com/office/drawing/2014/main" id="{D25E64ED-B373-4866-B5A2-E805D3168BBB}"/>
+                <a16:creationId xmlns:a16="http://schemas.microsoft.com/office/drawing/2014/main" id="{D25E64ED-B373-4866-B5A2-E805D3168BBB}"/>
               </a:ext>
             </a:extLst>
           </p:cNvPr>
@@ -1643,7 +1641,7 @@
           <p:cNvPr id="3" name="Text Placeholder 2">
             <a:extLst>
               <a:ext uri="{FF2B5EF4-FFF2-40B4-BE49-F238E27FC236}">
-                <a16:creationId xmlns="" xmlns:a16="http://schemas.microsoft.com/office/drawing/2014/main" id="{AB6D6168-DDAE-41B2-A0D5-42185A2D028C}"/>
+                <a16:creationId xmlns:a16="http://schemas.microsoft.com/office/drawing/2014/main" id="{AB6D6168-DDAE-41B2-A0D5-42185A2D028C}"/>
               </a:ext>
             </a:extLst>
           </p:cNvPr>
@@ -1798,7 +1796,7 @@
           <p:cNvPr id="2" name="Title 1">
             <a:extLst>
               <a:ext uri="{FF2B5EF4-FFF2-40B4-BE49-F238E27FC236}">
-                <a16:creationId xmlns="" xmlns:a16="http://schemas.microsoft.com/office/drawing/2014/main" id="{725825EB-71EE-41B3-89D2-47A0C7C3598E}"/>
+                <a16:creationId xmlns:a16="http://schemas.microsoft.com/office/drawing/2014/main" id="{725825EB-71EE-41B3-89D2-47A0C7C3598E}"/>
               </a:ext>
             </a:extLst>
           </p:cNvPr>
@@ -1826,7 +1824,7 @@
           <p:cNvPr id="3" name="Content Placeholder 2">
             <a:extLst>
               <a:ext uri="{FF2B5EF4-FFF2-40B4-BE49-F238E27FC236}">
-                <a16:creationId xmlns="" xmlns:a16="http://schemas.microsoft.com/office/drawing/2014/main" id="{DE662F7D-C4AD-4BD4-AAC8-F0223EE4A38B}"/>
+                <a16:creationId xmlns:a16="http://schemas.microsoft.com/office/drawing/2014/main" id="{DE662F7D-C4AD-4BD4-AAC8-F0223EE4A38B}"/>
               </a:ext>
             </a:extLst>
           </p:cNvPr>
@@ -1888,7 +1886,7 @@
           <p:cNvPr id="4" name="Content Placeholder 3">
             <a:extLst>
               <a:ext uri="{FF2B5EF4-FFF2-40B4-BE49-F238E27FC236}">
-                <a16:creationId xmlns="" xmlns:a16="http://schemas.microsoft.com/office/drawing/2014/main" id="{9D0FB088-28C6-4667-8DF2-0DE32AE3EC30}"/>
+                <a16:creationId xmlns:a16="http://schemas.microsoft.com/office/drawing/2014/main" id="{9D0FB088-28C6-4667-8DF2-0DE32AE3EC30}"/>
               </a:ext>
             </a:extLst>
           </p:cNvPr>
@@ -1950,7 +1948,7 @@
           <p:cNvPr id="5" name="Date Placeholder 4">
             <a:extLst>
               <a:ext uri="{FF2B5EF4-FFF2-40B4-BE49-F238E27FC236}">
-                <a16:creationId xmlns="" xmlns:a16="http://schemas.microsoft.com/office/drawing/2014/main" id="{BF36095F-AE34-4E94-B722-E3A1205AEEDC}"/>
+                <a16:creationId xmlns:a16="http://schemas.microsoft.com/office/drawing/2014/main" id="{BF36095F-AE34-4E94-B722-E3A1205AEEDC}"/>
               </a:ext>
             </a:extLst>
           </p:cNvPr>
@@ -1968,7 +1966,7 @@
           <a:p>
             <a:fld id="{C485584D-7D79-4248-9986-4CA35242F944}" type="datetimeFigureOut">
               <a:rPr lang="en-US" smtClean="0"/>
-              <a:t>1/21/2024</a:t>
+              <a:t>1/21/24</a:t>
             </a:fld>
             <a:endParaRPr lang="en-US"/>
           </a:p>
@@ -1979,7 +1977,7 @@
           <p:cNvPr id="6" name="Footer Placeholder 5">
             <a:extLst>
               <a:ext uri="{FF2B5EF4-FFF2-40B4-BE49-F238E27FC236}">
-                <a16:creationId xmlns="" xmlns:a16="http://schemas.microsoft.com/office/drawing/2014/main" id="{6E06A8E6-BD94-48EA-8F35-DA0DF910AC25}"/>
+                <a16:creationId xmlns:a16="http://schemas.microsoft.com/office/drawing/2014/main" id="{6E06A8E6-BD94-48EA-8F35-DA0DF910AC25}"/>
               </a:ext>
             </a:extLst>
           </p:cNvPr>
@@ -2004,7 +2002,7 @@
           <p:cNvPr id="7" name="Slide Number Placeholder 6">
             <a:extLst>
               <a:ext uri="{FF2B5EF4-FFF2-40B4-BE49-F238E27FC236}">
-                <a16:creationId xmlns="" xmlns:a16="http://schemas.microsoft.com/office/drawing/2014/main" id="{50478AEF-56B8-49F5-81E8-663B1FFA073B}"/>
+                <a16:creationId xmlns:a16="http://schemas.microsoft.com/office/drawing/2014/main" id="{50478AEF-56B8-49F5-81E8-663B1FFA073B}"/>
               </a:ext>
             </a:extLst>
           </p:cNvPr>
@@ -2063,7 +2061,7 @@
           <p:cNvPr id="2" name="Title 1">
             <a:extLst>
               <a:ext uri="{FF2B5EF4-FFF2-40B4-BE49-F238E27FC236}">
-                <a16:creationId xmlns="" xmlns:a16="http://schemas.microsoft.com/office/drawing/2014/main" id="{EFCF873F-001F-4254-97F3-05329E6A7B67}"/>
+                <a16:creationId xmlns:a16="http://schemas.microsoft.com/office/drawing/2014/main" id="{EFCF873F-001F-4254-97F3-05329E6A7B67}"/>
               </a:ext>
             </a:extLst>
           </p:cNvPr>
@@ -2096,7 +2094,7 @@
           <p:cNvPr id="3" name="Text Placeholder 2">
             <a:extLst>
               <a:ext uri="{FF2B5EF4-FFF2-40B4-BE49-F238E27FC236}">
-                <a16:creationId xmlns="" xmlns:a16="http://schemas.microsoft.com/office/drawing/2014/main" id="{4A37B575-060F-4296-A28A-93DA109F96F5}"/>
+                <a16:creationId xmlns:a16="http://schemas.microsoft.com/office/drawing/2014/main" id="{4A37B575-060F-4296-A28A-93DA109F96F5}"/>
               </a:ext>
             </a:extLst>
           </p:cNvPr>
@@ -2169,7 +2167,7 @@
           <p:cNvPr id="4" name="Content Placeholder 3">
             <a:extLst>
               <a:ext uri="{FF2B5EF4-FFF2-40B4-BE49-F238E27FC236}">
-                <a16:creationId xmlns="" xmlns:a16="http://schemas.microsoft.com/office/drawing/2014/main" id="{BA581A51-F4D1-4A02-9918-C416F820B646}"/>
+                <a16:creationId xmlns:a16="http://schemas.microsoft.com/office/drawing/2014/main" id="{BA581A51-F4D1-4A02-9918-C416F820B646}"/>
               </a:ext>
             </a:extLst>
           </p:cNvPr>
@@ -2231,7 +2229,7 @@
           <p:cNvPr id="5" name="Text Placeholder 4">
             <a:extLst>
               <a:ext uri="{FF2B5EF4-FFF2-40B4-BE49-F238E27FC236}">
-                <a16:creationId xmlns="" xmlns:a16="http://schemas.microsoft.com/office/drawing/2014/main" id="{D32916D0-3DFE-455D-9888-3FDEFD3DE0CD}"/>
+                <a16:creationId xmlns:a16="http://schemas.microsoft.com/office/drawing/2014/main" id="{D32916D0-3DFE-455D-9888-3FDEFD3DE0CD}"/>
               </a:ext>
             </a:extLst>
           </p:cNvPr>
@@ -2304,7 +2302,7 @@
           <p:cNvPr id="6" name="Content Placeholder 5">
             <a:extLst>
               <a:ext uri="{FF2B5EF4-FFF2-40B4-BE49-F238E27FC236}">
-                <a16:creationId xmlns="" xmlns:a16="http://schemas.microsoft.com/office/drawing/2014/main" id="{F093D763-0643-4A48-8007-93391C59F6D5}"/>
+                <a16:creationId xmlns:a16="http://schemas.microsoft.com/office/drawing/2014/main" id="{F093D763-0643-4A48-8007-93391C59F6D5}"/>
               </a:ext>
             </a:extLst>
           </p:cNvPr>
@@ -2366,7 +2364,7 @@
           <p:cNvPr id="7" name="Date Placeholder 6">
             <a:extLst>
               <a:ext uri="{FF2B5EF4-FFF2-40B4-BE49-F238E27FC236}">
-                <a16:creationId xmlns="" xmlns:a16="http://schemas.microsoft.com/office/drawing/2014/main" id="{69A2D07B-3A5D-41C2-83B8-BD1AD6522CAD}"/>
+                <a16:creationId xmlns:a16="http://schemas.microsoft.com/office/drawing/2014/main" id="{69A2D07B-3A5D-41C2-83B8-BD1AD6522CAD}"/>
               </a:ext>
             </a:extLst>
           </p:cNvPr>
@@ -2384,7 +2382,7 @@
           <a:p>
             <a:fld id="{C485584D-7D79-4248-9986-4CA35242F944}" type="datetimeFigureOut">
               <a:rPr lang="en-US" smtClean="0"/>
-              <a:t>1/21/2024</a:t>
+              <a:t>1/21/24</a:t>
             </a:fld>
             <a:endParaRPr lang="en-US"/>
           </a:p>
@@ -2395,7 +2393,7 @@
           <p:cNvPr id="8" name="Footer Placeholder 7">
             <a:extLst>
               <a:ext uri="{FF2B5EF4-FFF2-40B4-BE49-F238E27FC236}">
-                <a16:creationId xmlns="" xmlns:a16="http://schemas.microsoft.com/office/drawing/2014/main" id="{0E2C1367-FE5A-4CDD-B85B-724FFFE5B58F}"/>
+                <a16:creationId xmlns:a16="http://schemas.microsoft.com/office/drawing/2014/main" id="{0E2C1367-FE5A-4CDD-B85B-724FFFE5B58F}"/>
               </a:ext>
             </a:extLst>
           </p:cNvPr>
@@ -2420,7 +2418,7 @@
           <p:cNvPr id="9" name="Slide Number Placeholder 8">
             <a:extLst>
               <a:ext uri="{FF2B5EF4-FFF2-40B4-BE49-F238E27FC236}">
-                <a16:creationId xmlns="" xmlns:a16="http://schemas.microsoft.com/office/drawing/2014/main" id="{9992F244-23EB-4E1A-B74F-77F23F87978D}"/>
+                <a16:creationId xmlns:a16="http://schemas.microsoft.com/office/drawing/2014/main" id="{9992F244-23EB-4E1A-B74F-77F23F87978D}"/>
               </a:ext>
             </a:extLst>
           </p:cNvPr>
@@ -2479,7 +2477,7 @@
           <p:cNvPr id="2" name="Title 1">
             <a:extLst>
               <a:ext uri="{FF2B5EF4-FFF2-40B4-BE49-F238E27FC236}">
-                <a16:creationId xmlns="" xmlns:a16="http://schemas.microsoft.com/office/drawing/2014/main" id="{FB876C0A-BEF4-4DE4-A9D2-C60298FC7F99}"/>
+                <a16:creationId xmlns:a16="http://schemas.microsoft.com/office/drawing/2014/main" id="{FB876C0A-BEF4-4DE4-A9D2-C60298FC7F99}"/>
               </a:ext>
             </a:extLst>
           </p:cNvPr>
@@ -2507,7 +2505,7 @@
           <p:cNvPr id="3" name="Date Placeholder 2">
             <a:extLst>
               <a:ext uri="{FF2B5EF4-FFF2-40B4-BE49-F238E27FC236}">
-                <a16:creationId xmlns="" xmlns:a16="http://schemas.microsoft.com/office/drawing/2014/main" id="{1367C0AC-3C98-4D68-AE72-CFFA1638CC02}"/>
+                <a16:creationId xmlns:a16="http://schemas.microsoft.com/office/drawing/2014/main" id="{1367C0AC-3C98-4D68-AE72-CFFA1638CC02}"/>
               </a:ext>
             </a:extLst>
           </p:cNvPr>
@@ -2525,7 +2523,7 @@
           <a:p>
             <a:fld id="{C485584D-7D79-4248-9986-4CA35242F944}" type="datetimeFigureOut">
               <a:rPr lang="en-US" smtClean="0"/>
-              <a:t>1/21/2024</a:t>
+              <a:t>1/21/24</a:t>
             </a:fld>
             <a:endParaRPr lang="en-US"/>
           </a:p>
@@ -2536,7 +2534,7 @@
           <p:cNvPr id="4" name="Footer Placeholder 3">
             <a:extLst>
               <a:ext uri="{FF2B5EF4-FFF2-40B4-BE49-F238E27FC236}">
-                <a16:creationId xmlns="" xmlns:a16="http://schemas.microsoft.com/office/drawing/2014/main" id="{FEA7722A-E2E4-45D2-8A20-4853ED6837B1}"/>
+                <a16:creationId xmlns:a16="http://schemas.microsoft.com/office/drawing/2014/main" id="{FEA7722A-E2E4-45D2-8A20-4853ED6837B1}"/>
               </a:ext>
             </a:extLst>
           </p:cNvPr>
@@ -2561,7 +2559,7 @@
           <p:cNvPr id="5" name="Slide Number Placeholder 4">
             <a:extLst>
               <a:ext uri="{FF2B5EF4-FFF2-40B4-BE49-F238E27FC236}">
-                <a16:creationId xmlns="" xmlns:a16="http://schemas.microsoft.com/office/drawing/2014/main" id="{146B9201-B20B-4412-B745-F2F6A91487E8}"/>
+                <a16:creationId xmlns:a16="http://schemas.microsoft.com/office/drawing/2014/main" id="{146B9201-B20B-4412-B745-F2F6A91487E8}"/>
               </a:ext>
             </a:extLst>
           </p:cNvPr>
@@ -2620,7 +2618,7 @@
           <p:cNvPr id="2" name="Date Placeholder 1">
             <a:extLst>
               <a:ext uri="{FF2B5EF4-FFF2-40B4-BE49-F238E27FC236}">
-                <a16:creationId xmlns="" xmlns:a16="http://schemas.microsoft.com/office/drawing/2014/main" id="{CBC4889A-9ABE-4409-BAD8-F84C36C1FA09}"/>
+                <a16:creationId xmlns:a16="http://schemas.microsoft.com/office/drawing/2014/main" id="{CBC4889A-9ABE-4409-BAD8-F84C36C1FA09}"/>
               </a:ext>
             </a:extLst>
           </p:cNvPr>
@@ -2638,7 +2636,7 @@
           <a:p>
             <a:fld id="{C485584D-7D79-4248-9986-4CA35242F944}" type="datetimeFigureOut">
               <a:rPr lang="en-US" smtClean="0"/>
-              <a:t>1/21/2024</a:t>
+              <a:t>1/21/24</a:t>
             </a:fld>
             <a:endParaRPr lang="en-US"/>
           </a:p>
@@ -2649,7 +2647,7 @@
           <p:cNvPr id="3" name="Footer Placeholder 2">
             <a:extLst>
               <a:ext uri="{FF2B5EF4-FFF2-40B4-BE49-F238E27FC236}">
-                <a16:creationId xmlns="" xmlns:a16="http://schemas.microsoft.com/office/drawing/2014/main" id="{7DDA5A70-FE21-4CB6-A67B-1DC798E9E3B1}"/>
+                <a16:creationId xmlns:a16="http://schemas.microsoft.com/office/drawing/2014/main" id="{7DDA5A70-FE21-4CB6-A67B-1DC798E9E3B1}"/>
               </a:ext>
             </a:extLst>
           </p:cNvPr>
@@ -2674,7 +2672,7 @@
           <p:cNvPr id="4" name="Slide Number Placeholder 3">
             <a:extLst>
               <a:ext uri="{FF2B5EF4-FFF2-40B4-BE49-F238E27FC236}">
-                <a16:creationId xmlns="" xmlns:a16="http://schemas.microsoft.com/office/drawing/2014/main" id="{B984AD11-7FD2-432C-A6AB-395BE9275C1B}"/>
+                <a16:creationId xmlns:a16="http://schemas.microsoft.com/office/drawing/2014/main" id="{B984AD11-7FD2-432C-A6AB-395BE9275C1B}"/>
               </a:ext>
             </a:extLst>
           </p:cNvPr>
@@ -2733,7 +2731,7 @@
           <p:cNvPr id="2" name="Title 1">
             <a:extLst>
               <a:ext uri="{FF2B5EF4-FFF2-40B4-BE49-F238E27FC236}">
-                <a16:creationId xmlns="" xmlns:a16="http://schemas.microsoft.com/office/drawing/2014/main" id="{EFF397CF-9CDD-4E78-8F35-A2FFE7867419}"/>
+                <a16:creationId xmlns:a16="http://schemas.microsoft.com/office/drawing/2014/main" id="{EFF397CF-9CDD-4E78-8F35-A2FFE7867419}"/>
               </a:ext>
             </a:extLst>
           </p:cNvPr>
@@ -2771,7 +2769,7 @@
           <p:cNvPr id="3" name="Content Placeholder 2">
             <a:extLst>
               <a:ext uri="{FF2B5EF4-FFF2-40B4-BE49-F238E27FC236}">
-                <a16:creationId xmlns="" xmlns:a16="http://schemas.microsoft.com/office/drawing/2014/main" id="{87194BFE-7A85-4123-B0F7-4DB1C141CE60}"/>
+                <a16:creationId xmlns:a16="http://schemas.microsoft.com/office/drawing/2014/main" id="{87194BFE-7A85-4123-B0F7-4DB1C141CE60}"/>
               </a:ext>
             </a:extLst>
           </p:cNvPr>
@@ -2862,7 +2860,7 @@
           <p:cNvPr id="4" name="Text Placeholder 3">
             <a:extLst>
               <a:ext uri="{FF2B5EF4-FFF2-40B4-BE49-F238E27FC236}">
-                <a16:creationId xmlns="" xmlns:a16="http://schemas.microsoft.com/office/drawing/2014/main" id="{641EFD6D-1929-4A73-A860-22A36FF5C17D}"/>
+                <a16:creationId xmlns:a16="http://schemas.microsoft.com/office/drawing/2014/main" id="{641EFD6D-1929-4A73-A860-22A36FF5C17D}"/>
               </a:ext>
             </a:extLst>
           </p:cNvPr>
@@ -2933,7 +2931,7 @@
           <p:cNvPr id="5" name="Date Placeholder 4">
             <a:extLst>
               <a:ext uri="{FF2B5EF4-FFF2-40B4-BE49-F238E27FC236}">
-                <a16:creationId xmlns="" xmlns:a16="http://schemas.microsoft.com/office/drawing/2014/main" id="{A9B399A5-94A1-4452-AFF0-918BDA8B14F9}"/>
+                <a16:creationId xmlns:a16="http://schemas.microsoft.com/office/drawing/2014/main" id="{A9B399A5-94A1-4452-AFF0-918BDA8B14F9}"/>
               </a:ext>
             </a:extLst>
           </p:cNvPr>
@@ -2951,7 +2949,7 @@
           <a:p>
             <a:fld id="{C485584D-7D79-4248-9986-4CA35242F944}" type="datetimeFigureOut">
               <a:rPr lang="en-US" smtClean="0"/>
-              <a:t>1/21/2024</a:t>
+              <a:t>1/21/24</a:t>
             </a:fld>
             <a:endParaRPr lang="en-US"/>
           </a:p>
@@ -2962,7 +2960,7 @@
           <p:cNvPr id="6" name="Footer Placeholder 5">
             <a:extLst>
               <a:ext uri="{FF2B5EF4-FFF2-40B4-BE49-F238E27FC236}">
-                <a16:creationId xmlns="" xmlns:a16="http://schemas.microsoft.com/office/drawing/2014/main" id="{489589D8-DD83-406C-A77A-176D23993BA8}"/>
+                <a16:creationId xmlns:a16="http://schemas.microsoft.com/office/drawing/2014/main" id="{489589D8-DD83-406C-A77A-176D23993BA8}"/>
               </a:ext>
             </a:extLst>
           </p:cNvPr>
@@ -2987,7 +2985,7 @@
           <p:cNvPr id="7" name="Slide Number Placeholder 6">
             <a:extLst>
               <a:ext uri="{FF2B5EF4-FFF2-40B4-BE49-F238E27FC236}">
-                <a16:creationId xmlns="" xmlns:a16="http://schemas.microsoft.com/office/drawing/2014/main" id="{6DE46024-82ED-40EF-8846-F6CC44BC53DE}"/>
+                <a16:creationId xmlns:a16="http://schemas.microsoft.com/office/drawing/2014/main" id="{6DE46024-82ED-40EF-8846-F6CC44BC53DE}"/>
               </a:ext>
             </a:extLst>
           </p:cNvPr>
@@ -3046,7 +3044,7 @@
           <p:cNvPr id="2" name="Title 1">
             <a:extLst>
               <a:ext uri="{FF2B5EF4-FFF2-40B4-BE49-F238E27FC236}">
-                <a16:creationId xmlns="" xmlns:a16="http://schemas.microsoft.com/office/drawing/2014/main" id="{70BD12FA-83A4-42AF-98D7-312C4C5A7128}"/>
+                <a16:creationId xmlns:a16="http://schemas.microsoft.com/office/drawing/2014/main" id="{70BD12FA-83A4-42AF-98D7-312C4C5A7128}"/>
               </a:ext>
             </a:extLst>
           </p:cNvPr>
@@ -3084,7 +3082,7 @@
           <p:cNvPr id="3" name="Picture Placeholder 2">
             <a:extLst>
               <a:ext uri="{FF2B5EF4-FFF2-40B4-BE49-F238E27FC236}">
-                <a16:creationId xmlns="" xmlns:a16="http://schemas.microsoft.com/office/drawing/2014/main" id="{46CF1DC8-2932-4C6E-BFBB-8BA1C9598425}"/>
+                <a16:creationId xmlns:a16="http://schemas.microsoft.com/office/drawing/2014/main" id="{46CF1DC8-2932-4C6E-BFBB-8BA1C9598425}"/>
               </a:ext>
             </a:extLst>
           </p:cNvPr>
@@ -3154,7 +3152,7 @@
           <p:cNvPr id="4" name="Text Placeholder 3">
             <a:extLst>
               <a:ext uri="{FF2B5EF4-FFF2-40B4-BE49-F238E27FC236}">
-                <a16:creationId xmlns="" xmlns:a16="http://schemas.microsoft.com/office/drawing/2014/main" id="{8D6E0000-EF01-46A5-8A71-25FB7EA3F94A}"/>
+                <a16:creationId xmlns:a16="http://schemas.microsoft.com/office/drawing/2014/main" id="{8D6E0000-EF01-46A5-8A71-25FB7EA3F94A}"/>
               </a:ext>
             </a:extLst>
           </p:cNvPr>
@@ -3225,7 +3223,7 @@
           <p:cNvPr id="5" name="Date Placeholder 4">
             <a:extLst>
               <a:ext uri="{FF2B5EF4-FFF2-40B4-BE49-F238E27FC236}">
-                <a16:creationId xmlns="" xmlns:a16="http://schemas.microsoft.com/office/drawing/2014/main" id="{401AD40B-9246-4532-9F73-5BA9061C3ABA}"/>
+                <a16:creationId xmlns:a16="http://schemas.microsoft.com/office/drawing/2014/main" id="{401AD40B-9246-4532-9F73-5BA9061C3ABA}"/>
               </a:ext>
             </a:extLst>
           </p:cNvPr>
@@ -3243,7 +3241,7 @@
           <a:p>
             <a:fld id="{C485584D-7D79-4248-9986-4CA35242F944}" type="datetimeFigureOut">
               <a:rPr lang="en-US" smtClean="0"/>
-              <a:t>1/21/2024</a:t>
+              <a:t>1/21/24</a:t>
             </a:fld>
             <a:endParaRPr lang="en-US"/>
           </a:p>
@@ -3254,7 +3252,7 @@
           <p:cNvPr id="6" name="Footer Placeholder 5">
             <a:extLst>
               <a:ext uri="{FF2B5EF4-FFF2-40B4-BE49-F238E27FC236}">
-                <a16:creationId xmlns="" xmlns:a16="http://schemas.microsoft.com/office/drawing/2014/main" id="{8BE6B9A0-5B1C-4F7B-828A-EF74E51478BD}"/>
+                <a16:creationId xmlns:a16="http://schemas.microsoft.com/office/drawing/2014/main" id="{8BE6B9A0-5B1C-4F7B-828A-EF74E51478BD}"/>
               </a:ext>
             </a:extLst>
           </p:cNvPr>
@@ -3279,7 +3277,7 @@
           <p:cNvPr id="7" name="Slide Number Placeholder 6">
             <a:extLst>
               <a:ext uri="{FF2B5EF4-FFF2-40B4-BE49-F238E27FC236}">
-                <a16:creationId xmlns="" xmlns:a16="http://schemas.microsoft.com/office/drawing/2014/main" id="{A82E99FB-C932-4165-A612-8B302D8F7229}"/>
+                <a16:creationId xmlns:a16="http://schemas.microsoft.com/office/drawing/2014/main" id="{A82E99FB-C932-4165-A612-8B302D8F7229}"/>
               </a:ext>
             </a:extLst>
           </p:cNvPr>
@@ -3343,7 +3341,7 @@
           <p:cNvPr id="2" name="Title Placeholder 1">
             <a:extLst>
               <a:ext uri="{FF2B5EF4-FFF2-40B4-BE49-F238E27FC236}">
-                <a16:creationId xmlns="" xmlns:a16="http://schemas.microsoft.com/office/drawing/2014/main" id="{16CE7638-D991-46E7-BF2C-67D1AC829628}"/>
+                <a16:creationId xmlns:a16="http://schemas.microsoft.com/office/drawing/2014/main" id="{16CE7638-D991-46E7-BF2C-67D1AC829628}"/>
               </a:ext>
             </a:extLst>
           </p:cNvPr>
@@ -3381,7 +3379,7 @@
           <p:cNvPr id="3" name="Text Placeholder 2">
             <a:extLst>
               <a:ext uri="{FF2B5EF4-FFF2-40B4-BE49-F238E27FC236}">
-                <a16:creationId xmlns="" xmlns:a16="http://schemas.microsoft.com/office/drawing/2014/main" id="{CA7C6B9C-4923-4DAB-9748-D5CD289EB978}"/>
+                <a16:creationId xmlns:a16="http://schemas.microsoft.com/office/drawing/2014/main" id="{CA7C6B9C-4923-4DAB-9748-D5CD289EB978}"/>
               </a:ext>
             </a:extLst>
           </p:cNvPr>
@@ -3448,7 +3446,7 @@
           <p:cNvPr id="6" name="Slide Number Placeholder 5">
             <a:extLst>
               <a:ext uri="{FF2B5EF4-FFF2-40B4-BE49-F238E27FC236}">
-                <a16:creationId xmlns="" xmlns:a16="http://schemas.microsoft.com/office/drawing/2014/main" id="{E7578CF6-4B33-40E4-B881-5F4C568378E1}"/>
+                <a16:creationId xmlns:a16="http://schemas.microsoft.com/office/drawing/2014/main" id="{E7578CF6-4B33-40E4-B881-5F4C568378E1}"/>
               </a:ext>
             </a:extLst>
           </p:cNvPr>
@@ -3493,7 +3491,7 @@
           <p:cNvPr id="4" name="Date Placeholder 3">
             <a:extLst>
               <a:ext uri="{FF2B5EF4-FFF2-40B4-BE49-F238E27FC236}">
-                <a16:creationId xmlns="" xmlns:a16="http://schemas.microsoft.com/office/drawing/2014/main" id="{25AE857E-F564-4539-9984-10435B6140AC}"/>
+                <a16:creationId xmlns:a16="http://schemas.microsoft.com/office/drawing/2014/main" id="{25AE857E-F564-4539-9984-10435B6140AC}"/>
               </a:ext>
             </a:extLst>
           </p:cNvPr>
@@ -3527,7 +3525,7 @@
           <a:p>
             <a:fld id="{C485584D-7D79-4248-9986-4CA35242F944}" type="datetimeFigureOut">
               <a:rPr lang="en-US" smtClean="0"/>
-              <a:t>1/21/2024</a:t>
+              <a:t>1/21/24</a:t>
             </a:fld>
             <a:endParaRPr lang="en-US"/>
           </a:p>
@@ -3538,7 +3536,7 @@
           <p:cNvPr id="5" name="Footer Placeholder 4">
             <a:extLst>
               <a:ext uri="{FF2B5EF4-FFF2-40B4-BE49-F238E27FC236}">
-                <a16:creationId xmlns="" xmlns:a16="http://schemas.microsoft.com/office/drawing/2014/main" id="{7D1EABEF-B998-4B11-A878-8F492F8E3983}"/>
+                <a16:creationId xmlns:a16="http://schemas.microsoft.com/office/drawing/2014/main" id="{7D1EABEF-B998-4B11-A878-8F492F8E3983}"/>
               </a:ext>
             </a:extLst>
           </p:cNvPr>
@@ -3579,7 +3577,7 @@
           <p:cNvPr id="16" name="Freeform: Shape 15">
             <a:extLst>
               <a:ext uri="{FF2B5EF4-FFF2-40B4-BE49-F238E27FC236}">
-                <a16:creationId xmlns="" xmlns:a16="http://schemas.microsoft.com/office/drawing/2014/main" id="{9EB54D17-3792-403D-9127-495845021D2B}"/>
+                <a16:creationId xmlns:a16="http://schemas.microsoft.com/office/drawing/2014/main" id="{9EB54D17-3792-403D-9127-495845021D2B}"/>
               </a:ext>
             </a:extLst>
           </p:cNvPr>
@@ -4040,10 +4038,10 @@
           <p:cNvPr id="17" name="Rectangle 8">
             <a:extLst>
               <a:ext uri="{FF2B5EF4-FFF2-40B4-BE49-F238E27FC236}">
-                <a16:creationId xmlns="" xmlns:a16="http://schemas.microsoft.com/office/drawing/2014/main" id="{DD8EACB7-D372-470B-B76E-A829D00310CD}"/>
+                <a16:creationId xmlns:a16="http://schemas.microsoft.com/office/drawing/2014/main" id="{DD8EACB7-D372-470B-B76E-A829D00310CD}"/>
               </a:ext>
               <a:ext uri="{C183D7F6-B498-43B3-948B-1728B52AA6E4}">
-                <adec:decorative xmlns="" xmlns:adec="http://schemas.microsoft.com/office/drawing/2017/decorative" val="1"/>
+                <adec:decorative xmlns:adec="http://schemas.microsoft.com/office/drawing/2017/decorative" val="1"/>
               </a:ext>
             </a:extLst>
           </p:cNvPr>
@@ -4053,7 +4051,7 @@
           <p:nvPr>
             <p:extLst>
               <p:ext uri="{386F3935-93C4-4BCD-93E2-E3B085C9AB24}">
-                <p16:designElem xmlns="" xmlns:p16="http://schemas.microsoft.com/office/powerpoint/2015/main" val="1"/>
+                <p16:designElem xmlns:p16="http://schemas.microsoft.com/office/powerpoint/2015/main" val="1"/>
               </p:ext>
             </p:extLst>
           </p:nvPr>
@@ -4116,7 +4114,7 @@
           <p:cNvPr id="18" name="Picture 3" descr="A blue abstract watercolor pattern on a white background">
             <a:extLst>
               <a:ext uri="{FF2B5EF4-FFF2-40B4-BE49-F238E27FC236}">
-                <a16:creationId xmlns="" xmlns:a16="http://schemas.microsoft.com/office/drawing/2014/main" id="{E070731E-EBD1-ADE7-517B-33DC09A0A4B3}"/>
+                <a16:creationId xmlns:a16="http://schemas.microsoft.com/office/drawing/2014/main" id="{E070731E-EBD1-ADE7-517B-33DC09A0A4B3}"/>
               </a:ext>
             </a:extLst>
           </p:cNvPr>
@@ -4145,10 +4143,10 @@
           <p:cNvPr id="19" name="Rectangle 5">
             <a:extLst>
               <a:ext uri="{FF2B5EF4-FFF2-40B4-BE49-F238E27FC236}">
-                <a16:creationId xmlns="" xmlns:a16="http://schemas.microsoft.com/office/drawing/2014/main" id="{FBE11A49-02A1-4D4C-9A49-CDF496B1094F}"/>
+                <a16:creationId xmlns:a16="http://schemas.microsoft.com/office/drawing/2014/main" id="{FBE11A49-02A1-4D4C-9A49-CDF496B1094F}"/>
               </a:ext>
               <a:ext uri="{C183D7F6-B498-43B3-948B-1728B52AA6E4}">
-                <adec:decorative xmlns="" xmlns:adec="http://schemas.microsoft.com/office/drawing/2017/decorative" val="1"/>
+                <adec:decorative xmlns:adec="http://schemas.microsoft.com/office/drawing/2017/decorative" val="1"/>
               </a:ext>
             </a:extLst>
           </p:cNvPr>
@@ -4158,7 +4156,7 @@
           <p:nvPr>
             <p:extLst>
               <p:ext uri="{386F3935-93C4-4BCD-93E2-E3B085C9AB24}">
-                <p16:designElem xmlns="" xmlns:p16="http://schemas.microsoft.com/office/powerpoint/2015/main" val="1"/>
+                <p16:designElem xmlns:p16="http://schemas.microsoft.com/office/powerpoint/2015/main" val="1"/>
               </p:ext>
             </p:extLst>
           </p:nvPr>
@@ -4291,7 +4289,7 @@
           <p:cNvPr id="2" name="Title 1">
             <a:extLst>
               <a:ext uri="{FF2B5EF4-FFF2-40B4-BE49-F238E27FC236}">
-                <a16:creationId xmlns="" xmlns:a16="http://schemas.microsoft.com/office/drawing/2014/main" id="{DC949E78-0EC1-0695-AA0A-FBB3C4D4A51E}"/>
+                <a16:creationId xmlns:a16="http://schemas.microsoft.com/office/drawing/2014/main" id="{DC949E78-0EC1-0695-AA0A-FBB3C4D4A51E}"/>
               </a:ext>
             </a:extLst>
           </p:cNvPr>
@@ -4330,7 +4328,7 @@
           <p:cNvPr id="3" name="Subtitle 2">
             <a:extLst>
               <a:ext uri="{FF2B5EF4-FFF2-40B4-BE49-F238E27FC236}">
-                <a16:creationId xmlns="" xmlns:a16="http://schemas.microsoft.com/office/drawing/2014/main" id="{5DF50B34-7F53-0159-29A9-7A7B2D0BB12D}"/>
+                <a16:creationId xmlns:a16="http://schemas.microsoft.com/office/drawing/2014/main" id="{5DF50B34-7F53-0159-29A9-7A7B2D0BB12D}"/>
               </a:ext>
             </a:extLst>
           </p:cNvPr>
@@ -4354,65 +4352,71 @@
           <a:lstStyle/>
           <a:p>
             <a:r>
-              <a:rPr lang="en-US" b="1" dirty="0" smtClean="0">
-                <a:solidFill>
-                  <a:schemeClr val="accent3"/>
-                </a:solidFill>
-              </a:rPr>
-              <a:t>Build </a:t>
-            </a:r>
-            <a:r>
               <a:rPr lang="en-US" b="1" dirty="0">
                 <a:solidFill>
                   <a:schemeClr val="accent3"/>
                 </a:solidFill>
               </a:rPr>
-              <a:t> </a:t>
-            </a:r>
-            <a:r>
-              <a:rPr lang="en-US" b="1" dirty="0" smtClean="0">
+              <a:t>Build  Multi Modal </a:t>
+            </a:r>
+            <a:r>
+              <a:rPr lang="en-US" b="1" dirty="0" err="1">
                 <a:solidFill>
                   <a:schemeClr val="accent3"/>
                 </a:solidFill>
               </a:rPr>
-              <a:t>Q&amp;A App With RAG Using </a:t>
-            </a:r>
-            <a:r>
-              <a:rPr lang="en-US" b="1" dirty="0" err="1" smtClean="0">
+              <a:t>Spliting</a:t>
+            </a:r>
+            <a:r>
+              <a:rPr lang="en-US" b="1" dirty="0">
+                <a:solidFill>
+                  <a:schemeClr val="accent3"/>
+                </a:solidFill>
+              </a:rPr>
+              <a:t> Using </a:t>
+            </a:r>
+            <a:r>
+              <a:rPr lang="en-US" b="1" dirty="0" err="1">
                 <a:solidFill>
                   <a:schemeClr val="accent3"/>
                 </a:solidFill>
               </a:rPr>
               <a:t>Langchain</a:t>
             </a:r>
-            <a:endParaRPr lang="en-US" b="1" dirty="0">
-              <a:solidFill>
-                <a:schemeClr val="accent3"/>
-              </a:solidFill>
-            </a:endParaRPr>
-          </a:p>
-          <a:p>
             <a:r>
               <a:rPr lang="en-US" b="1" dirty="0">
                 <a:solidFill>
                   <a:schemeClr val="accent3"/>
                 </a:solidFill>
               </a:rPr>
-              <a:t>TUTORIAL : </a:t>
-            </a:r>
-            <a:r>
-              <a:rPr lang="en-US" b="1" dirty="0" smtClean="0">
+              <a:t> ang </a:t>
+            </a:r>
+            <a:r>
+              <a:rPr lang="en-US" b="1" dirty="0" err="1">
                 <a:solidFill>
                   <a:schemeClr val="accent3"/>
                 </a:solidFill>
               </a:rPr>
-              <a:t>33</a:t>
-            </a:r>
-            <a:endParaRPr lang="en-US" b="1" dirty="0">
-              <a:solidFill>
-                <a:schemeClr val="accent3"/>
-              </a:solidFill>
-            </a:endParaRPr>
+              <a:t>OpenAI</a:t>
+            </a:r>
+            <a:r>
+              <a:rPr lang="en-US" b="1" dirty="0">
+                <a:solidFill>
+                  <a:schemeClr val="accent3"/>
+                </a:solidFill>
+              </a:rPr>
+              <a:t>  Vision</a:t>
+            </a:r>
+          </a:p>
+          <a:p>
+            <a:r>
+              <a:rPr lang="en-US" b="1" dirty="0">
+                <a:solidFill>
+                  <a:schemeClr val="accent3"/>
+                </a:solidFill>
+              </a:rPr>
+              <a:t>TUTORIAL : 33</a:t>
+            </a:r>
           </a:p>
         </p:txBody>
       </p:sp>
@@ -4421,10 +4425,10 @@
           <p:cNvPr id="20" name="Group 12">
             <a:extLst>
               <a:ext uri="{FF2B5EF4-FFF2-40B4-BE49-F238E27FC236}">
-                <a16:creationId xmlns="" xmlns:a16="http://schemas.microsoft.com/office/drawing/2014/main" id="{F1732D3A-CFF0-45BE-AD79-F83D0272C6C6}"/>
+                <a16:creationId xmlns:a16="http://schemas.microsoft.com/office/drawing/2014/main" id="{F1732D3A-CFF0-45BE-AD79-F83D0272C6C6}"/>
               </a:ext>
               <a:ext uri="{C183D7F6-B498-43B3-948B-1728B52AA6E4}">
-                <adec:decorative xmlns="" xmlns:adec="http://schemas.microsoft.com/office/drawing/2017/decorative" val="1"/>
+                <adec:decorative xmlns:adec="http://schemas.microsoft.com/office/drawing/2017/decorative" val="1"/>
               </a:ext>
             </a:extLst>
           </p:cNvPr>
@@ -4434,7 +4438,7 @@
           <p:nvPr>
             <p:extLst>
               <p:ext uri="{386F3935-93C4-4BCD-93E2-E3B085C9AB24}">
-                <p16:designElem xmlns="" xmlns:p16="http://schemas.microsoft.com/office/powerpoint/2015/main" val="1"/>
+                <p16:designElem xmlns:p16="http://schemas.microsoft.com/office/powerpoint/2015/main" val="1"/>
               </p:ext>
             </p:extLst>
           </p:nvPr>
@@ -4452,10 +4456,10 @@
             <p:cNvPr id="14" name="Rectangle 13">
               <a:extLst>
                 <a:ext uri="{FF2B5EF4-FFF2-40B4-BE49-F238E27FC236}">
-                  <a16:creationId xmlns="" xmlns:a16="http://schemas.microsoft.com/office/drawing/2014/main" id="{C892F72C-7FB6-49C8-A402-D5DC42DB6746}"/>
+                  <a16:creationId xmlns:a16="http://schemas.microsoft.com/office/drawing/2014/main" id="{C892F72C-7FB6-49C8-A402-D5DC42DB6746}"/>
                 </a:ext>
                 <a:ext uri="{C183D7F6-B498-43B3-948B-1728B52AA6E4}">
-                  <adec:decorative xmlns="" xmlns:adec="http://schemas.microsoft.com/office/drawing/2017/decorative" val="1"/>
+                  <adec:decorative xmlns:adec="http://schemas.microsoft.com/office/drawing/2017/decorative" val="1"/>
                 </a:ext>
               </a:extLst>
             </p:cNvPr>
@@ -4463,7 +4467,7 @@
             <p:nvPr>
               <p:extLst>
                 <p:ext uri="{386F3935-93C4-4BCD-93E2-E3B085C9AB24}">
-                  <p16:designElem xmlns="" xmlns:p16="http://schemas.microsoft.com/office/powerpoint/2015/main" val="1"/>
+                  <p16:designElem xmlns:p16="http://schemas.microsoft.com/office/powerpoint/2015/main" val="1"/>
                 </p:ext>
               </p:extLst>
             </p:nvPr>
@@ -4513,10 +4517,10 @@
             <p:cNvPr id="15" name="Straight Connector 14">
               <a:extLst>
                 <a:ext uri="{FF2B5EF4-FFF2-40B4-BE49-F238E27FC236}">
-                  <a16:creationId xmlns="" xmlns:a16="http://schemas.microsoft.com/office/drawing/2014/main" id="{FC92C2E1-605F-49BD-8AC8-DC52B3015E39}"/>
+                  <a16:creationId xmlns:a16="http://schemas.microsoft.com/office/drawing/2014/main" id="{FC92C2E1-605F-49BD-8AC8-DC52B3015E39}"/>
                 </a:ext>
                 <a:ext uri="{C183D7F6-B498-43B3-948B-1728B52AA6E4}">
-                  <adec:decorative xmlns="" xmlns:adec="http://schemas.microsoft.com/office/drawing/2017/decorative" val="1"/>
+                  <adec:decorative xmlns:adec="http://schemas.microsoft.com/office/drawing/2017/decorative" val="1"/>
                 </a:ext>
               </a:extLst>
             </p:cNvPr>
@@ -4524,7 +4528,7 @@
             <p:nvPr>
               <p:extLst>
                 <p:ext uri="{386F3935-93C4-4BCD-93E2-E3B085C9AB24}">
-                  <p16:designElem xmlns="" xmlns:p16="http://schemas.microsoft.com/office/powerpoint/2015/main" val="1"/>
+                  <p16:designElem xmlns:p16="http://schemas.microsoft.com/office/powerpoint/2015/main" val="1"/>
                 </p:ext>
               </p:extLst>
             </p:nvPr>
@@ -4563,10 +4567,10 @@
             <p:cNvPr id="16" name="Straight Connector 15">
               <a:extLst>
                 <a:ext uri="{FF2B5EF4-FFF2-40B4-BE49-F238E27FC236}">
-                  <a16:creationId xmlns="" xmlns:a16="http://schemas.microsoft.com/office/drawing/2014/main" id="{38BE2E0F-EE6D-4748-AB8F-724D0DDC6E00}"/>
+                  <a16:creationId xmlns:a16="http://schemas.microsoft.com/office/drawing/2014/main" id="{38BE2E0F-EE6D-4748-AB8F-724D0DDC6E00}"/>
                 </a:ext>
                 <a:ext uri="{C183D7F6-B498-43B3-948B-1728B52AA6E4}">
-                  <adec:decorative xmlns="" xmlns:adec="http://schemas.microsoft.com/office/drawing/2017/decorative" val="1"/>
+                  <adec:decorative xmlns:adec="http://schemas.microsoft.com/office/drawing/2017/decorative" val="1"/>
                 </a:ext>
               </a:extLst>
             </p:cNvPr>
@@ -4574,7 +4578,7 @@
             <p:nvPr>
               <p:extLst>
                 <p:ext uri="{386F3935-93C4-4BCD-93E2-E3B085C9AB24}">
-                  <p16:designElem xmlns="" xmlns:p16="http://schemas.microsoft.com/office/powerpoint/2015/main" val="1"/>
+                  <p16:designElem xmlns:p16="http://schemas.microsoft.com/office/powerpoint/2015/main" val="1"/>
                 </p:ext>
               </p:extLst>
             </p:nvPr>
@@ -4614,7 +4618,7 @@
           <p:cNvPr id="6" name="Picture 5" descr="A logo of a person with glasses&#10;&#10;Description automatically generated">
             <a:extLst>
               <a:ext uri="{FF2B5EF4-FFF2-40B4-BE49-F238E27FC236}">
-                <a16:creationId xmlns="" xmlns:a16="http://schemas.microsoft.com/office/drawing/2014/main" id="{EC1B70AB-4AF2-8081-F252-DC8953E87874}"/>
+                <a16:creationId xmlns:a16="http://schemas.microsoft.com/office/drawing/2014/main" id="{EC1B70AB-4AF2-8081-F252-DC8953E87874}"/>
               </a:ext>
             </a:extLst>
           </p:cNvPr>
@@ -4674,7 +4678,7 @@
           <p:cNvPr id="2" name="Title 1">
             <a:extLst>
               <a:ext uri="{FF2B5EF4-FFF2-40B4-BE49-F238E27FC236}">
-                <a16:creationId xmlns="" xmlns:a16="http://schemas.microsoft.com/office/drawing/2014/main" id="{BC22D0EC-5238-F4BF-1133-D79265EE0945}"/>
+                <a16:creationId xmlns:a16="http://schemas.microsoft.com/office/drawing/2014/main" id="{BC22D0EC-5238-F4BF-1133-D79265EE0945}"/>
               </a:ext>
             </a:extLst>
           </p:cNvPr>
@@ -4696,18 +4700,13 @@
           <a:lstStyle/>
           <a:p>
             <a:r>
-              <a:rPr lang="en-US" b="1" dirty="0" smtClean="0">
+              <a:rPr lang="en-US" b="1" dirty="0">
                 <a:solidFill>
                   <a:schemeClr val="accent3"/>
                 </a:solidFill>
               </a:rPr>
-              <a:t>What is Rag</a:t>
-            </a:r>
-            <a:endParaRPr lang="en-US" b="1" dirty="0">
-              <a:solidFill>
-                <a:schemeClr val="accent3"/>
-              </a:solidFill>
-            </a:endParaRPr>
+              <a:t>What is multi-modal</a:t>
+            </a:r>
           </a:p>
         </p:txBody>
       </p:sp>
@@ -4733,7 +4732,7 @@
           </a:bodyPr>
           <a:lstStyle/>
           <a:p>
-            <a:endParaRPr lang="en-IN" dirty="0" smtClean="0">
+            <a:endParaRPr lang="en-IN" dirty="0">
               <a:solidFill>
                 <a:schemeClr val="accent2"/>
               </a:solidFill>
@@ -4741,28 +4740,14 @@
           </a:p>
           <a:p>
             <a:r>
-              <a:rPr lang="en-US" dirty="0">
+              <a:rPr lang="en-IN" dirty="0" err="1">
                 <a:solidFill>
                   <a:schemeClr val="accent2"/>
                 </a:solidFill>
-                <a:latin typeface="system-ui"/>
               </a:rPr>
-              <a:t>RAG is a technique for augmenting LLM knowledge with additional data.</a:t>
-            </a:r>
-          </a:p>
-          <a:p>
-            <a:r>
-              <a:rPr lang="en-US" dirty="0">
-                <a:solidFill>
-                  <a:schemeClr val="accent2"/>
-                </a:solidFill>
-                <a:latin typeface="system-ui"/>
-              </a:rPr>
-              <a:t>LLMs can reason about wide-ranging topics, but their knowledge is limited to the public data up to a specific point in time that they were trained on. If you want to build AI applications that can reason about private data or data introduced after a model’s cutoff date, you need to augment the knowledge of the model with the specific information it needs. The process of bringing the appropriate information and inserting it into the model prompt is known as Retrieval Augmented Generation (RAG).</a:t>
-            </a:r>
-          </a:p>
-          <a:p>
-            <a:endParaRPr lang="en-IN" dirty="0" smtClean="0">
+              <a:t>Text+image</a:t>
+            </a:r>
+            <a:endParaRPr lang="en-IN" dirty="0">
               <a:solidFill>
                 <a:schemeClr val="accent2"/>
               </a:solidFill>
@@ -4805,7 +4790,7 @@
           <p:cNvPr id="2" name="Title 1">
             <a:extLst>
               <a:ext uri="{FF2B5EF4-FFF2-40B4-BE49-F238E27FC236}">
-                <a16:creationId xmlns="" xmlns:a16="http://schemas.microsoft.com/office/drawing/2014/main" id="{BC22D0EC-5238-F4BF-1133-D79265EE0945}"/>
+                <a16:creationId xmlns:a16="http://schemas.microsoft.com/office/drawing/2014/main" id="{BC22D0EC-5238-F4BF-1133-D79265EE0945}"/>
               </a:ext>
             </a:extLst>
           </p:cNvPr>
@@ -4818,8 +4803,8 @@
         </p:nvSpPr>
         <p:spPr>
           <a:xfrm>
-            <a:off x="254260" y="182724"/>
-            <a:ext cx="10134600" cy="1030255"/>
+            <a:off x="1112676" y="527957"/>
+            <a:ext cx="10134600" cy="1288489"/>
           </a:xfrm>
         </p:spPr>
         <p:txBody>
@@ -4827,18 +4812,13 @@
           <a:lstStyle/>
           <a:p>
             <a:r>
-              <a:rPr lang="en-US" b="1" dirty="0" smtClean="0">
+              <a:rPr lang="en-US" b="1" dirty="0">
                 <a:solidFill>
                   <a:schemeClr val="accent3"/>
                 </a:solidFill>
               </a:rPr>
-              <a:t>Rag Workflow</a:t>
-            </a:r>
-            <a:endParaRPr lang="en-US" b="1" dirty="0">
-              <a:solidFill>
-                <a:schemeClr val="accent3"/>
-              </a:solidFill>
-            </a:endParaRPr>
+              <a:t>Load pdf with images and summarize the information from images available in pdf</a:t>
+            </a:r>
           </a:p>
         </p:txBody>
       </p:sp>
@@ -4864,1581 +4844,50 @@
           </a:bodyPr>
           <a:lstStyle/>
           <a:p>
-            <a:endParaRPr lang="en-IN" dirty="0" smtClean="0"/>
-          </a:p>
-          <a:p>
-            <a:endParaRPr lang="en-IN" dirty="0" smtClean="0">
-              <a:solidFill>
-                <a:schemeClr val="accent2"/>
-              </a:solidFill>
-            </a:endParaRPr>
-          </a:p>
-        </p:txBody>
-      </p:sp>
-      <p:sp>
-        <p:nvSpPr>
-          <p:cNvPr id="3" name="Rectangle 2"/>
-          <p:cNvSpPr/>
-          <p:nvPr/>
-        </p:nvSpPr>
-        <p:spPr>
-          <a:xfrm>
-            <a:off x="783772" y="1212979"/>
-            <a:ext cx="9358604" cy="553998"/>
-          </a:xfrm>
-          <a:prstGeom prst="rect">
-            <a:avLst/>
-          </a:prstGeom>
-        </p:spPr>
-        <p:txBody>
-          <a:bodyPr wrap="square">
-            <a:spAutoFit/>
-          </a:bodyPr>
-          <a:lstStyle/>
-          <a:p>
-            <a:r>
-              <a:rPr lang="en-IN" sz="1000" dirty="0">
-                <a:solidFill>
-                  <a:srgbClr val="3B3B3B"/>
-                </a:solidFill>
-                <a:latin typeface="Consolas"/>
-              </a:rPr>
-              <a:t/>
-            </a:r>
-            <a:br>
-              <a:rPr lang="en-IN" sz="1000" dirty="0">
-                <a:solidFill>
-                  <a:srgbClr val="3B3B3B"/>
-                </a:solidFill>
-                <a:latin typeface="Consolas"/>
-              </a:rPr>
-            </a:br>
-            <a:r>
-              <a:rPr lang="en-IN" sz="1000" dirty="0">
-                <a:solidFill>
-                  <a:srgbClr val="3B3B3B"/>
-                </a:solidFill>
-                <a:latin typeface="Consolas"/>
-              </a:rPr>
-              <a:t/>
-            </a:r>
-            <a:br>
-              <a:rPr lang="en-IN" sz="1000" dirty="0">
-                <a:solidFill>
-                  <a:srgbClr val="3B3B3B"/>
-                </a:solidFill>
-                <a:latin typeface="Consolas"/>
-              </a:rPr>
-            </a:br>
-            <a:endParaRPr lang="en-IN" sz="1000" b="0" dirty="0">
-              <a:solidFill>
-                <a:srgbClr val="3B3B3B"/>
-              </a:solidFill>
-              <a:effectLst/>
-              <a:latin typeface="Consolas"/>
-            </a:endParaRPr>
-          </a:p>
-        </p:txBody>
-      </p:sp>
-      <p:sp>
-        <p:nvSpPr>
-          <p:cNvPr id="8" name="Rectangle 3"/>
-          <p:cNvSpPr>
-            <a:spLocks noChangeArrowheads="1"/>
-          </p:cNvSpPr>
-          <p:nvPr/>
-        </p:nvSpPr>
-        <p:spPr bwMode="auto">
-          <a:xfrm rot="10800000" flipV="1">
-            <a:off x="108371" y="-218259"/>
-            <a:ext cx="7887963" cy="5232202"/>
-          </a:xfrm>
-          <a:prstGeom prst="rect">
-            <a:avLst/>
-          </a:prstGeom>
-          <a:noFill/>
-          <a:ln>
-            <a:noFill/>
-          </a:ln>
-          <a:effectLst/>
-          <a:extLst>
-            <a:ext uri="{909E8E84-426E-40DD-AFC4-6F175D3DCCD1}">
-              <a14:hiddenFill xmlns:a14="http://schemas.microsoft.com/office/drawing/2010/main">
-                <a:solidFill>
-                  <a:schemeClr val="accent1"/>
-                </a:solidFill>
-              </a14:hiddenFill>
-            </a:ext>
-            <a:ext uri="{91240B29-F687-4F45-9708-019B960494DF}">
-              <a14:hiddenLine xmlns:a14="http://schemas.microsoft.com/office/drawing/2010/main" w="9525">
-                <a:solidFill>
-                  <a:schemeClr val="tx1"/>
-                </a:solidFill>
-                <a:miter lim="800000"/>
-                <a:headEnd/>
-                <a:tailEnd/>
-              </a14:hiddenLine>
-            </a:ext>
-            <a:ext uri="{AF507438-7753-43E0-B8FC-AC1667EBCBE1}">
-              <a14:hiddenEffects xmlns:a14="http://schemas.microsoft.com/office/drawing/2010/main">
-                <a:effectLst>
-                  <a:outerShdw dist="35921" dir="2700000" algn="ctr" rotWithShape="0">
-                    <a:schemeClr val="bg2"/>
-                  </a:outerShdw>
-                </a:effectLst>
-              </a14:hiddenEffects>
-            </a:ext>
-          </a:extLst>
-        </p:spPr>
-        <p:txBody>
-          <a:bodyPr vert="horz" wrap="square" lIns="91440" tIns="45720" rIns="91440" bIns="45720" numCol="1" anchor="ctr" anchorCtr="0" compatLnSpc="1">
-            <a:prstTxWarp prst="textNoShape">
-              <a:avLst/>
-            </a:prstTxWarp>
-            <a:spAutoFit/>
-          </a:bodyPr>
-          <a:lstStyle/>
-          <a:p>
-            <a:pPr marL="0" marR="0" lvl="0" indent="0" algn="l" defTabSz="914400" rtl="0" eaLnBrk="1" fontAlgn="base" latinLnBrk="0" hangingPunct="1">
-              <a:lnSpc>
-                <a:spcPct val="100000"/>
-              </a:lnSpc>
-              <a:spcBef>
-                <a:spcPct val="0"/>
-              </a:spcBef>
-              <a:spcAft>
-                <a:spcPct val="0"/>
-              </a:spcAft>
-              <a:buClrTx/>
-              <a:buSzTx/>
-              <a:buFontTx/>
-              <a:buNone/>
-              <a:tabLst/>
-            </a:pPr>
-            <a:endParaRPr kumimoji="0" lang="en-US" sz="1200" b="0" i="0" u="none" strike="noStrike" cap="none" normalizeH="0" baseline="0" dirty="0" smtClean="0">
-              <a:ln>
-                <a:noFill/>
-              </a:ln>
-              <a:solidFill>
-                <a:schemeClr val="accent2"/>
-              </a:solidFill>
-              <a:effectLst/>
-              <a:latin typeface="system-ui"/>
-              <a:cs typeface="Arial" pitchFamily="34" charset="0"/>
-            </a:endParaRPr>
-          </a:p>
-          <a:p>
-            <a:pPr marL="0" marR="0" lvl="0" indent="0" algn="l" defTabSz="914400" rtl="0" eaLnBrk="1" fontAlgn="base" latinLnBrk="0" hangingPunct="1">
-              <a:lnSpc>
-                <a:spcPct val="100000"/>
-              </a:lnSpc>
-              <a:spcBef>
-                <a:spcPct val="0"/>
-              </a:spcBef>
-              <a:spcAft>
-                <a:spcPct val="0"/>
-              </a:spcAft>
-              <a:buClrTx/>
-              <a:buSzTx/>
-              <a:buFontTx/>
-              <a:buNone/>
-              <a:tabLst/>
-            </a:pPr>
-            <a:endParaRPr lang="en-US" sz="1200" dirty="0">
-              <a:solidFill>
-                <a:schemeClr val="accent2"/>
-              </a:solidFill>
-              <a:latin typeface="system-ui"/>
-              <a:cs typeface="Arial" pitchFamily="34" charset="0"/>
-            </a:endParaRPr>
-          </a:p>
-          <a:p>
-            <a:pPr marL="0" marR="0" lvl="0" indent="0" algn="l" defTabSz="914400" rtl="0" eaLnBrk="1" fontAlgn="base" latinLnBrk="0" hangingPunct="1">
-              <a:lnSpc>
-                <a:spcPct val="100000"/>
-              </a:lnSpc>
-              <a:spcBef>
-                <a:spcPct val="0"/>
-              </a:spcBef>
-              <a:spcAft>
-                <a:spcPct val="0"/>
-              </a:spcAft>
-              <a:buClrTx/>
-              <a:buSzTx/>
-              <a:buFontTx/>
-              <a:buNone/>
-              <a:tabLst/>
-            </a:pPr>
-            <a:endParaRPr kumimoji="0" lang="en-US" sz="1200" b="0" i="0" u="none" strike="noStrike" cap="none" normalizeH="0" baseline="0" dirty="0" smtClean="0">
-              <a:ln>
-                <a:noFill/>
-              </a:ln>
-              <a:solidFill>
-                <a:schemeClr val="accent2"/>
-              </a:solidFill>
-              <a:effectLst/>
-              <a:latin typeface="system-ui"/>
-              <a:cs typeface="Arial" pitchFamily="34" charset="0"/>
-            </a:endParaRPr>
-          </a:p>
-          <a:p>
-            <a:pPr marL="0" marR="0" lvl="0" indent="0" algn="l" defTabSz="914400" rtl="0" eaLnBrk="1" fontAlgn="base" latinLnBrk="0" hangingPunct="1">
-              <a:lnSpc>
-                <a:spcPct val="100000"/>
-              </a:lnSpc>
-              <a:spcBef>
-                <a:spcPct val="0"/>
-              </a:spcBef>
-              <a:spcAft>
-                <a:spcPct val="0"/>
-              </a:spcAft>
-              <a:buClrTx/>
-              <a:buSzTx/>
-              <a:buFontTx/>
-              <a:buNone/>
-              <a:tabLst/>
-            </a:pPr>
-            <a:endParaRPr lang="en-US" sz="1200" dirty="0">
-              <a:solidFill>
-                <a:schemeClr val="accent2"/>
-              </a:solidFill>
-              <a:latin typeface="system-ui"/>
-              <a:cs typeface="Arial" pitchFamily="34" charset="0"/>
-            </a:endParaRPr>
-          </a:p>
-          <a:p>
-            <a:pPr marL="0" marR="0" lvl="0" indent="0" algn="l" defTabSz="914400" rtl="0" eaLnBrk="1" fontAlgn="base" latinLnBrk="0" hangingPunct="1">
-              <a:lnSpc>
-                <a:spcPct val="100000"/>
-              </a:lnSpc>
-              <a:spcBef>
-                <a:spcPct val="0"/>
-              </a:spcBef>
-              <a:spcAft>
-                <a:spcPct val="0"/>
-              </a:spcAft>
-              <a:buClrTx/>
-              <a:buSzTx/>
-              <a:buFontTx/>
-              <a:buNone/>
-              <a:tabLst/>
-            </a:pPr>
-            <a:endParaRPr kumimoji="0" lang="en-US" sz="1200" b="0" i="0" u="none" strike="noStrike" cap="none" normalizeH="0" baseline="0" dirty="0" smtClean="0">
-              <a:ln>
-                <a:noFill/>
-              </a:ln>
-              <a:solidFill>
-                <a:schemeClr val="accent2"/>
-              </a:solidFill>
-              <a:effectLst/>
-              <a:latin typeface="system-ui"/>
-              <a:cs typeface="Arial" pitchFamily="34" charset="0"/>
-            </a:endParaRPr>
-          </a:p>
-          <a:p>
-            <a:pPr marL="0" marR="0" lvl="0" indent="0" algn="l" defTabSz="914400" rtl="0" eaLnBrk="1" fontAlgn="base" latinLnBrk="0" hangingPunct="1">
-              <a:lnSpc>
-                <a:spcPct val="100000"/>
-              </a:lnSpc>
-              <a:spcBef>
-                <a:spcPct val="0"/>
-              </a:spcBef>
-              <a:spcAft>
-                <a:spcPct val="0"/>
-              </a:spcAft>
-              <a:buClrTx/>
-              <a:buSzTx/>
-              <a:buFontTx/>
-              <a:buNone/>
-              <a:tabLst/>
-            </a:pPr>
-            <a:endParaRPr lang="en-US" sz="1200" dirty="0">
-              <a:solidFill>
-                <a:schemeClr val="accent2"/>
-              </a:solidFill>
-              <a:latin typeface="system-ui"/>
-              <a:cs typeface="Arial" pitchFamily="34" charset="0"/>
-            </a:endParaRPr>
-          </a:p>
-          <a:p>
-            <a:pPr marL="0" marR="0" lvl="0" indent="0" algn="l" defTabSz="914400" rtl="0" eaLnBrk="1" fontAlgn="base" latinLnBrk="0" hangingPunct="1">
-              <a:lnSpc>
-                <a:spcPct val="100000"/>
-              </a:lnSpc>
-              <a:spcBef>
-                <a:spcPct val="0"/>
-              </a:spcBef>
-              <a:spcAft>
-                <a:spcPct val="0"/>
-              </a:spcAft>
-              <a:buClrTx/>
-              <a:buSzTx/>
-              <a:buFontTx/>
-              <a:buNone/>
-              <a:tabLst/>
-            </a:pPr>
-            <a:endParaRPr kumimoji="0" lang="en-US" sz="1200" b="0" i="0" u="none" strike="noStrike" cap="none" normalizeH="0" baseline="0" dirty="0" smtClean="0">
-              <a:ln>
-                <a:noFill/>
-              </a:ln>
-              <a:solidFill>
-                <a:schemeClr val="accent2"/>
-              </a:solidFill>
-              <a:effectLst/>
-              <a:latin typeface="system-ui"/>
-              <a:cs typeface="Arial" pitchFamily="34" charset="0"/>
-            </a:endParaRPr>
-          </a:p>
-          <a:p>
-            <a:pPr marL="0" marR="0" lvl="0" indent="0" algn="l" defTabSz="914400" rtl="0" eaLnBrk="1" fontAlgn="base" latinLnBrk="0" hangingPunct="1">
-              <a:lnSpc>
-                <a:spcPct val="100000"/>
-              </a:lnSpc>
-              <a:spcBef>
-                <a:spcPct val="0"/>
-              </a:spcBef>
-              <a:spcAft>
-                <a:spcPct val="0"/>
-              </a:spcAft>
-              <a:buClrTx/>
-              <a:buSzTx/>
-              <a:buFontTx/>
-              <a:buNone/>
-              <a:tabLst/>
-            </a:pPr>
-            <a:endParaRPr lang="en-US" sz="1200" dirty="0">
-              <a:solidFill>
-                <a:schemeClr val="accent2"/>
-              </a:solidFill>
-              <a:latin typeface="system-ui"/>
-              <a:cs typeface="Arial" pitchFamily="34" charset="0"/>
-            </a:endParaRPr>
-          </a:p>
-          <a:p>
-            <a:pPr marL="0" marR="0" lvl="0" indent="0" algn="l" defTabSz="914400" rtl="0" eaLnBrk="1" fontAlgn="base" latinLnBrk="0" hangingPunct="1">
-              <a:lnSpc>
-                <a:spcPct val="100000"/>
-              </a:lnSpc>
-              <a:spcBef>
-                <a:spcPct val="0"/>
-              </a:spcBef>
-              <a:spcAft>
-                <a:spcPct val="0"/>
-              </a:spcAft>
-              <a:buClrTx/>
-              <a:buSzTx/>
-              <a:buFontTx/>
-              <a:buNone/>
-              <a:tabLst/>
-            </a:pPr>
-            <a:endParaRPr kumimoji="0" lang="en-US" sz="1200" b="0" i="0" u="none" strike="noStrike" cap="none" normalizeH="0" baseline="0" dirty="0" smtClean="0">
-              <a:ln>
-                <a:noFill/>
-              </a:ln>
-              <a:solidFill>
-                <a:schemeClr val="accent2"/>
-              </a:solidFill>
-              <a:effectLst/>
-              <a:latin typeface="system-ui"/>
-              <a:cs typeface="Arial" pitchFamily="34" charset="0"/>
-            </a:endParaRPr>
-          </a:p>
-          <a:p>
-            <a:pPr marL="0" marR="0" lvl="0" indent="0" algn="l" defTabSz="914400" rtl="0" eaLnBrk="1" fontAlgn="base" latinLnBrk="0" hangingPunct="1">
-              <a:lnSpc>
-                <a:spcPct val="100000"/>
-              </a:lnSpc>
-              <a:spcBef>
-                <a:spcPct val="0"/>
-              </a:spcBef>
-              <a:spcAft>
-                <a:spcPct val="0"/>
-              </a:spcAft>
-              <a:buClrTx/>
-              <a:buSzTx/>
-              <a:buFontTx/>
-              <a:buNone/>
-              <a:tabLst/>
-            </a:pPr>
-            <a:r>
-              <a:rPr kumimoji="0" lang="en-US" sz="1200" b="0" i="0" u="none" strike="noStrike" cap="none" normalizeH="0" baseline="0" dirty="0" smtClean="0">
-                <a:ln>
-                  <a:noFill/>
-                </a:ln>
-                <a:solidFill>
-                  <a:schemeClr val="accent2"/>
-                </a:solidFill>
-                <a:effectLst/>
-                <a:latin typeface="system-ui"/>
-                <a:cs typeface="Arial" pitchFamily="34" charset="0"/>
-              </a:rPr>
-              <a:t>A typical RAG application has two main components:</a:t>
-            </a:r>
-          </a:p>
-          <a:p>
-            <a:pPr marL="0" marR="0" lvl="0" indent="0" algn="l" defTabSz="914400" rtl="0" eaLnBrk="1" fontAlgn="base" latinLnBrk="0" hangingPunct="1">
-              <a:lnSpc>
-                <a:spcPct val="100000"/>
-              </a:lnSpc>
-              <a:spcBef>
-                <a:spcPct val="0"/>
-              </a:spcBef>
-              <a:spcAft>
-                <a:spcPct val="0"/>
-              </a:spcAft>
-              <a:buClrTx/>
-              <a:buSzTx/>
-              <a:buFontTx/>
-              <a:buNone/>
-              <a:tabLst/>
-            </a:pPr>
-            <a:endParaRPr kumimoji="0" lang="en-US" sz="800" b="0" i="0" u="none" strike="noStrike" cap="none" normalizeH="0" baseline="0" dirty="0" smtClean="0">
-              <a:ln>
-                <a:noFill/>
-              </a:ln>
-              <a:solidFill>
-                <a:schemeClr val="accent2"/>
-              </a:solidFill>
-              <a:effectLst/>
-              <a:latin typeface="Arial" pitchFamily="34" charset="0"/>
-              <a:cs typeface="Arial" pitchFamily="34" charset="0"/>
-            </a:endParaRPr>
-          </a:p>
-          <a:p>
-            <a:pPr marL="0" marR="0" lvl="0" indent="0" algn="l" defTabSz="914400" rtl="0" eaLnBrk="0" fontAlgn="base" latinLnBrk="0" hangingPunct="0">
-              <a:lnSpc>
-                <a:spcPct val="100000"/>
-              </a:lnSpc>
-              <a:spcBef>
-                <a:spcPct val="0"/>
-              </a:spcBef>
-              <a:spcAft>
-                <a:spcPct val="0"/>
-              </a:spcAft>
-              <a:buClrTx/>
-              <a:buSzTx/>
-              <a:buFontTx/>
-              <a:buNone/>
-              <a:tabLst/>
-            </a:pPr>
-            <a:r>
-              <a:rPr kumimoji="0" lang="en-US" sz="1200" b="1" i="0" u="none" strike="noStrike" cap="none" normalizeH="0" baseline="0" dirty="0" smtClean="0">
-                <a:ln>
-                  <a:noFill/>
-                </a:ln>
-                <a:solidFill>
-                  <a:schemeClr val="accent2"/>
-                </a:solidFill>
-                <a:effectLst/>
-                <a:latin typeface="system-ui"/>
-                <a:cs typeface="Arial" pitchFamily="34" charset="0"/>
-              </a:rPr>
-              <a:t>Indexing</a:t>
-            </a:r>
-            <a:r>
-              <a:rPr kumimoji="0" lang="en-US" sz="1200" b="0" i="0" u="none" strike="noStrike" cap="none" normalizeH="0" baseline="0" dirty="0" smtClean="0">
-                <a:ln>
-                  <a:noFill/>
-                </a:ln>
-                <a:solidFill>
-                  <a:schemeClr val="accent2"/>
-                </a:solidFill>
-                <a:effectLst/>
-                <a:latin typeface="system-ui"/>
-                <a:cs typeface="Arial" pitchFamily="34" charset="0"/>
-              </a:rPr>
-              <a:t>: a pipeline for ingesting data from a source and indexing it. </a:t>
-            </a:r>
-            <a:r>
-              <a:rPr kumimoji="0" lang="en-US" sz="1200" b="0" i="1" u="none" strike="noStrike" cap="none" normalizeH="0" baseline="0" dirty="0" smtClean="0">
-                <a:ln>
-                  <a:noFill/>
-                </a:ln>
-                <a:solidFill>
-                  <a:schemeClr val="accent2"/>
-                </a:solidFill>
-                <a:effectLst/>
-                <a:latin typeface="system-ui"/>
-                <a:cs typeface="Arial" pitchFamily="34" charset="0"/>
-              </a:rPr>
-              <a:t>This usually happens offline.</a:t>
-            </a:r>
-            <a:endParaRPr kumimoji="0" lang="en-US" sz="800" b="0" i="0" u="none" strike="noStrike" cap="none" normalizeH="0" baseline="0" dirty="0" smtClean="0">
-              <a:ln>
-                <a:noFill/>
-              </a:ln>
-              <a:solidFill>
-                <a:schemeClr val="accent2"/>
-              </a:solidFill>
-              <a:effectLst/>
-              <a:latin typeface="Arial" pitchFamily="34" charset="0"/>
-              <a:cs typeface="Arial" pitchFamily="34" charset="0"/>
-            </a:endParaRPr>
-          </a:p>
-          <a:p>
-            <a:pPr marL="0" marR="0" lvl="0" indent="0" algn="l" defTabSz="914400" rtl="0" eaLnBrk="0" fontAlgn="base" latinLnBrk="0" hangingPunct="0">
-              <a:lnSpc>
-                <a:spcPct val="100000"/>
-              </a:lnSpc>
-              <a:spcBef>
-                <a:spcPct val="0"/>
-              </a:spcBef>
-              <a:spcAft>
-                <a:spcPct val="0"/>
-              </a:spcAft>
-              <a:buClrTx/>
-              <a:buSzTx/>
-              <a:buFontTx/>
-              <a:buNone/>
-              <a:tabLst/>
-            </a:pPr>
-            <a:r>
-              <a:rPr kumimoji="0" lang="en-US" sz="1200" b="1" i="0" u="none" strike="noStrike" cap="none" normalizeH="0" baseline="0" dirty="0" smtClean="0">
-                <a:ln>
-                  <a:noFill/>
-                </a:ln>
-                <a:solidFill>
-                  <a:schemeClr val="accent2"/>
-                </a:solidFill>
-                <a:effectLst/>
-                <a:latin typeface="system-ui"/>
-                <a:cs typeface="Arial" pitchFamily="34" charset="0"/>
-              </a:rPr>
-              <a:t>Retrieval and generation</a:t>
-            </a:r>
-            <a:r>
-              <a:rPr kumimoji="0" lang="en-US" sz="1200" b="0" i="0" u="none" strike="noStrike" cap="none" normalizeH="0" baseline="0" dirty="0" smtClean="0">
-                <a:ln>
-                  <a:noFill/>
-                </a:ln>
-                <a:solidFill>
-                  <a:schemeClr val="accent2"/>
-                </a:solidFill>
-                <a:effectLst/>
-                <a:latin typeface="system-ui"/>
-                <a:cs typeface="Arial" pitchFamily="34" charset="0"/>
-              </a:rPr>
-              <a:t>: the actual RAG chain, which takes the user query at run time and retrieves the relevant data from the index, then passes that to the model.</a:t>
-            </a:r>
-            <a:endParaRPr kumimoji="0" lang="en-US" sz="800" b="0" i="0" u="none" strike="noStrike" cap="none" normalizeH="0" baseline="0" dirty="0" smtClean="0">
-              <a:ln>
-                <a:noFill/>
-              </a:ln>
-              <a:solidFill>
-                <a:schemeClr val="accent2"/>
-              </a:solidFill>
-              <a:effectLst/>
-              <a:latin typeface="Arial" pitchFamily="34" charset="0"/>
-              <a:cs typeface="Arial" pitchFamily="34" charset="0"/>
-            </a:endParaRPr>
-          </a:p>
-          <a:p>
-            <a:pPr marL="0" marR="0" lvl="0" indent="0" algn="l" defTabSz="914400" rtl="0" eaLnBrk="0" fontAlgn="base" latinLnBrk="0" hangingPunct="0">
-              <a:lnSpc>
-                <a:spcPct val="100000"/>
-              </a:lnSpc>
-              <a:spcBef>
-                <a:spcPct val="0"/>
-              </a:spcBef>
-              <a:spcAft>
-                <a:spcPct val="0"/>
-              </a:spcAft>
-              <a:buClrTx/>
-              <a:buSzTx/>
-              <a:buFontTx/>
-              <a:buNone/>
-              <a:tabLst/>
-            </a:pPr>
-            <a:r>
-              <a:rPr kumimoji="0" lang="en-US" sz="1200" b="0" i="0" u="none" strike="noStrike" cap="none" normalizeH="0" baseline="0" dirty="0" smtClean="0">
-                <a:ln>
-                  <a:noFill/>
-                </a:ln>
-                <a:solidFill>
-                  <a:schemeClr val="accent2"/>
-                </a:solidFill>
-                <a:effectLst/>
-                <a:latin typeface="system-ui"/>
-                <a:cs typeface="Arial" pitchFamily="34" charset="0"/>
-              </a:rPr>
-              <a:t>The most common full sequence from raw data to answer looks like:</a:t>
-            </a:r>
-            <a:endParaRPr kumimoji="0" lang="en-US" sz="1200" b="1" i="0" u="none" strike="noStrike" cap="none" normalizeH="0" baseline="0" dirty="0" smtClean="0">
-              <a:ln>
-                <a:noFill/>
-              </a:ln>
-              <a:solidFill>
-                <a:schemeClr val="accent2"/>
-              </a:solidFill>
-              <a:effectLst/>
-              <a:latin typeface="system-ui"/>
-              <a:cs typeface="Arial" pitchFamily="34" charset="0"/>
-            </a:endParaRPr>
-          </a:p>
-          <a:p>
-            <a:pPr marL="0" marR="0" lvl="0" indent="0" algn="l" defTabSz="914400" rtl="0" eaLnBrk="0" fontAlgn="base" latinLnBrk="0" hangingPunct="0">
-              <a:lnSpc>
-                <a:spcPct val="100000"/>
-              </a:lnSpc>
-              <a:spcBef>
-                <a:spcPct val="0"/>
-              </a:spcBef>
-              <a:spcAft>
-                <a:spcPct val="0"/>
-              </a:spcAft>
-              <a:buClrTx/>
-              <a:buSzTx/>
-              <a:buFontTx/>
-              <a:buNone/>
-              <a:tabLst/>
-            </a:pPr>
-            <a:r>
-              <a:rPr kumimoji="0" lang="en-US" sz="1200" b="1" i="0" u="none" strike="noStrike" cap="none" normalizeH="0" baseline="0" dirty="0" smtClean="0">
-                <a:ln>
-                  <a:noFill/>
-                </a:ln>
-                <a:solidFill>
-                  <a:schemeClr val="accent2"/>
-                </a:solidFill>
-                <a:effectLst/>
-                <a:latin typeface="system-ui"/>
-                <a:cs typeface="Arial" pitchFamily="34" charset="0"/>
-              </a:rPr>
-              <a:t>Indexing</a:t>
-            </a:r>
-            <a:r>
-              <a:rPr kumimoji="0" lang="en-US" sz="1200" b="1" i="0" u="none" strike="noStrike" cap="none" normalizeH="0" baseline="0" dirty="0" smtClean="0">
-                <a:ln>
-                  <a:noFill/>
-                </a:ln>
-                <a:solidFill>
-                  <a:schemeClr val="accent2"/>
-                </a:solidFill>
-                <a:effectLst/>
-                <a:latin typeface="system-ui"/>
-                <a:cs typeface="Arial" pitchFamily="34" charset="0"/>
-                <a:hlinkClick r:id="rId2" tooltip="Direct link to Indexing"/>
-              </a:rPr>
-              <a:t>​</a:t>
-            </a:r>
-            <a:endParaRPr kumimoji="0" lang="en-US" sz="1200" b="1" i="0" u="none" strike="noStrike" cap="none" normalizeH="0" baseline="0" dirty="0" smtClean="0">
-              <a:ln>
-                <a:noFill/>
-              </a:ln>
-              <a:solidFill>
-                <a:schemeClr val="accent2"/>
-              </a:solidFill>
-              <a:effectLst/>
-              <a:latin typeface="system-ui"/>
-              <a:cs typeface="Arial" pitchFamily="34" charset="0"/>
-            </a:endParaRPr>
-          </a:p>
-          <a:p>
-            <a:pPr marL="0" marR="0" lvl="0" indent="0" algn="l" defTabSz="914400" rtl="0" eaLnBrk="0" fontAlgn="base" latinLnBrk="0" hangingPunct="0">
-              <a:lnSpc>
-                <a:spcPct val="100000"/>
-              </a:lnSpc>
-              <a:spcBef>
-                <a:spcPct val="0"/>
-              </a:spcBef>
-              <a:spcAft>
-                <a:spcPct val="0"/>
-              </a:spcAft>
-              <a:buClrTx/>
-              <a:buSzTx/>
-              <a:buFontTx/>
-              <a:buAutoNum type="arabicPeriod"/>
-              <a:tabLst/>
-            </a:pPr>
-            <a:r>
-              <a:rPr kumimoji="0" lang="en-US" sz="1200" b="1" i="0" u="none" strike="noStrike" cap="none" normalizeH="0" baseline="0" dirty="0" smtClean="0">
-                <a:ln>
-                  <a:noFill/>
-                </a:ln>
-                <a:solidFill>
-                  <a:schemeClr val="accent2"/>
-                </a:solidFill>
-                <a:effectLst/>
-                <a:latin typeface="system-ui"/>
-                <a:cs typeface="Arial" pitchFamily="34" charset="0"/>
-              </a:rPr>
-              <a:t>Load</a:t>
-            </a:r>
-            <a:r>
-              <a:rPr kumimoji="0" lang="en-US" sz="1200" b="0" i="0" u="none" strike="noStrike" cap="none" normalizeH="0" baseline="0" dirty="0" smtClean="0">
-                <a:ln>
-                  <a:noFill/>
-                </a:ln>
-                <a:solidFill>
-                  <a:schemeClr val="accent2"/>
-                </a:solidFill>
-                <a:effectLst/>
-                <a:latin typeface="system-ui"/>
-                <a:cs typeface="Arial" pitchFamily="34" charset="0"/>
-              </a:rPr>
-              <a:t>: First we need to load our data. This is done with </a:t>
-            </a:r>
-            <a:r>
-              <a:rPr kumimoji="0" lang="en-US" sz="1200" b="0" i="0" u="none" strike="noStrike" cap="none" normalizeH="0" baseline="0" dirty="0" err="1" smtClean="0">
-                <a:ln>
-                  <a:noFill/>
-                </a:ln>
-                <a:solidFill>
-                  <a:schemeClr val="accent2"/>
-                </a:solidFill>
-                <a:effectLst/>
-                <a:latin typeface="system-ui"/>
-                <a:cs typeface="Arial" pitchFamily="34" charset="0"/>
-                <a:hlinkClick r:id="rId3"/>
-              </a:rPr>
-              <a:t>DocumentLoaders</a:t>
-            </a:r>
-            <a:r>
-              <a:rPr kumimoji="0" lang="en-US" sz="1200" b="0" i="0" u="none" strike="noStrike" cap="none" normalizeH="0" baseline="0" dirty="0" smtClean="0">
-                <a:ln>
-                  <a:noFill/>
-                </a:ln>
-                <a:solidFill>
-                  <a:schemeClr val="accent2"/>
-                </a:solidFill>
-                <a:effectLst/>
-                <a:latin typeface="system-ui"/>
-                <a:cs typeface="Arial" pitchFamily="34" charset="0"/>
-              </a:rPr>
-              <a:t>.</a:t>
-            </a:r>
-          </a:p>
-          <a:p>
-            <a:pPr marL="0" marR="0" lvl="0" indent="0" algn="l" defTabSz="914400" rtl="0" eaLnBrk="0" fontAlgn="ctr" latinLnBrk="0" hangingPunct="0">
-              <a:lnSpc>
-                <a:spcPct val="100000"/>
-              </a:lnSpc>
-              <a:spcBef>
-                <a:spcPct val="0"/>
-              </a:spcBef>
-              <a:spcAft>
-                <a:spcPct val="0"/>
-              </a:spcAft>
-              <a:buClrTx/>
-              <a:buSzTx/>
-              <a:buFontTx/>
-              <a:buAutoNum type="arabicPeriod" startAt="2"/>
-              <a:tabLst/>
-            </a:pPr>
-            <a:r>
-              <a:rPr kumimoji="0" lang="en-US" sz="1200" b="1" i="0" u="none" strike="noStrike" cap="none" normalizeH="0" baseline="0" dirty="0" smtClean="0">
-                <a:ln>
-                  <a:noFill/>
-                </a:ln>
-                <a:solidFill>
-                  <a:schemeClr val="accent2"/>
-                </a:solidFill>
-                <a:effectLst/>
-                <a:latin typeface="system-ui"/>
-                <a:cs typeface="Arial" pitchFamily="34" charset="0"/>
-              </a:rPr>
-              <a:t>Split</a:t>
-            </a:r>
-            <a:r>
-              <a:rPr kumimoji="0" lang="en-US" sz="1200" b="0" i="0" u="none" strike="noStrike" cap="none" normalizeH="0" baseline="0" dirty="0" smtClean="0">
-                <a:ln>
-                  <a:noFill/>
-                </a:ln>
-                <a:solidFill>
-                  <a:schemeClr val="accent2"/>
-                </a:solidFill>
-                <a:effectLst/>
-                <a:latin typeface="system-ui"/>
-                <a:cs typeface="Arial" pitchFamily="34" charset="0"/>
-              </a:rPr>
-              <a:t>: </a:t>
-            </a:r>
-            <a:r>
-              <a:rPr kumimoji="0" lang="en-US" sz="1200" b="0" i="0" u="none" strike="noStrike" cap="none" normalizeH="0" baseline="0" dirty="0" smtClean="0">
-                <a:ln>
-                  <a:noFill/>
-                </a:ln>
-                <a:solidFill>
-                  <a:schemeClr val="accent2"/>
-                </a:solidFill>
-                <a:effectLst/>
-                <a:latin typeface="system-ui"/>
-                <a:cs typeface="Arial" pitchFamily="34" charset="0"/>
-                <a:hlinkClick r:id="rId4"/>
-              </a:rPr>
-              <a:t>Text splitters</a:t>
-            </a:r>
-            <a:r>
-              <a:rPr kumimoji="0" lang="en-US" sz="1200" b="0" i="0" u="none" strike="noStrike" cap="none" normalizeH="0" baseline="0" dirty="0" smtClean="0">
-                <a:ln>
-                  <a:noFill/>
-                </a:ln>
-                <a:solidFill>
-                  <a:schemeClr val="accent2"/>
-                </a:solidFill>
-                <a:effectLst/>
-                <a:latin typeface="system-ui"/>
-                <a:cs typeface="Arial" pitchFamily="34" charset="0"/>
-              </a:rPr>
-              <a:t> break large </a:t>
-            </a:r>
-            <a:r>
-              <a:rPr kumimoji="0" lang="en-US" sz="1000" b="0" i="0" u="none" strike="noStrike" cap="none" normalizeH="0" baseline="0" dirty="0" smtClean="0">
-                <a:ln>
-                  <a:noFill/>
-                </a:ln>
-                <a:solidFill>
-                  <a:schemeClr val="accent2"/>
-                </a:solidFill>
-                <a:effectLst/>
-                <a:latin typeface="var(--ifm-font-family-monospace)"/>
-                <a:cs typeface="Arial" pitchFamily="34" charset="0"/>
-              </a:rPr>
-              <a:t>Documents</a:t>
-            </a:r>
-            <a:r>
-              <a:rPr kumimoji="0" lang="en-US" sz="1200" b="0" i="0" u="none" strike="noStrike" cap="none" normalizeH="0" baseline="0" dirty="0" smtClean="0">
-                <a:ln>
-                  <a:noFill/>
-                </a:ln>
-                <a:solidFill>
-                  <a:schemeClr val="accent2"/>
-                </a:solidFill>
-                <a:effectLst/>
-                <a:latin typeface="system-ui"/>
-                <a:cs typeface="Arial" pitchFamily="34" charset="0"/>
-              </a:rPr>
-              <a:t> into smaller chunks. This is useful both for indexing data and for passing it in to a model, since large chunks are harder to search over and won’t fit in a model’s finite context window.</a:t>
-            </a:r>
-          </a:p>
-          <a:p>
-            <a:pPr marL="0" marR="0" lvl="0" indent="0" algn="l" defTabSz="914400" rtl="0" eaLnBrk="0" fontAlgn="base" latinLnBrk="0" hangingPunct="0">
-              <a:lnSpc>
-                <a:spcPct val="100000"/>
-              </a:lnSpc>
-              <a:spcBef>
-                <a:spcPct val="0"/>
-              </a:spcBef>
-              <a:spcAft>
-                <a:spcPct val="0"/>
-              </a:spcAft>
-              <a:buClrTx/>
-              <a:buSzTx/>
-              <a:buFontTx/>
-              <a:buAutoNum type="arabicPeriod" startAt="3"/>
-              <a:tabLst/>
-            </a:pPr>
-            <a:r>
-              <a:rPr kumimoji="0" lang="en-US" sz="1200" b="1" i="0" u="none" strike="noStrike" cap="none" normalizeH="0" baseline="0" dirty="0" smtClean="0">
-                <a:ln>
-                  <a:noFill/>
-                </a:ln>
-                <a:solidFill>
-                  <a:schemeClr val="accent2"/>
-                </a:solidFill>
-                <a:effectLst/>
-                <a:latin typeface="system-ui"/>
-                <a:cs typeface="Arial" pitchFamily="34" charset="0"/>
-              </a:rPr>
-              <a:t>Store</a:t>
-            </a:r>
-            <a:r>
-              <a:rPr kumimoji="0" lang="en-US" sz="1200" b="0" i="0" u="none" strike="noStrike" cap="none" normalizeH="0" baseline="0" dirty="0" smtClean="0">
-                <a:ln>
-                  <a:noFill/>
-                </a:ln>
-                <a:solidFill>
-                  <a:schemeClr val="accent2"/>
-                </a:solidFill>
-                <a:effectLst/>
-                <a:latin typeface="system-ui"/>
-                <a:cs typeface="Arial" pitchFamily="34" charset="0"/>
-              </a:rPr>
-              <a:t>: We need somewhere to store and index our splits, so that they can later be searched over. This is often done using a </a:t>
-            </a:r>
-            <a:r>
-              <a:rPr kumimoji="0" lang="en-US" sz="1200" b="0" i="0" u="none" strike="noStrike" cap="none" normalizeH="0" baseline="0" dirty="0" err="1" smtClean="0">
-                <a:ln>
-                  <a:noFill/>
-                </a:ln>
-                <a:solidFill>
-                  <a:schemeClr val="accent2"/>
-                </a:solidFill>
-                <a:effectLst/>
-                <a:latin typeface="system-ui"/>
-                <a:cs typeface="Arial" pitchFamily="34" charset="0"/>
-                <a:hlinkClick r:id="rId5"/>
-              </a:rPr>
-              <a:t>VectorStore</a:t>
-            </a:r>
-            <a:r>
-              <a:rPr kumimoji="0" lang="en-US" sz="1200" b="0" i="0" u="none" strike="noStrike" cap="none" normalizeH="0" baseline="0" dirty="0" smtClean="0">
-                <a:ln>
-                  <a:noFill/>
-                </a:ln>
-                <a:solidFill>
-                  <a:schemeClr val="accent2"/>
-                </a:solidFill>
-                <a:effectLst/>
-                <a:latin typeface="system-ui"/>
-                <a:cs typeface="Arial" pitchFamily="34" charset="0"/>
-              </a:rPr>
-              <a:t> and </a:t>
-            </a:r>
-            <a:r>
-              <a:rPr kumimoji="0" lang="en-US" sz="1200" b="0" i="0" u="none" strike="noStrike" cap="none" normalizeH="0" baseline="0" dirty="0" err="1" smtClean="0">
-                <a:ln>
-                  <a:noFill/>
-                </a:ln>
-                <a:solidFill>
-                  <a:schemeClr val="accent2"/>
-                </a:solidFill>
-                <a:effectLst/>
-                <a:latin typeface="system-ui"/>
-                <a:cs typeface="Arial" pitchFamily="34" charset="0"/>
-                <a:hlinkClick r:id="rId6"/>
-              </a:rPr>
-              <a:t>Embeddings</a:t>
-            </a:r>
-            <a:r>
-              <a:rPr kumimoji="0" lang="en-US" sz="1200" b="0" i="0" u="none" strike="noStrike" cap="none" normalizeH="0" baseline="0" dirty="0" smtClean="0">
-                <a:ln>
-                  <a:noFill/>
-                </a:ln>
-                <a:solidFill>
-                  <a:schemeClr val="accent2"/>
-                </a:solidFill>
-                <a:effectLst/>
-                <a:latin typeface="system-ui"/>
-                <a:cs typeface="Arial" pitchFamily="34" charset="0"/>
-              </a:rPr>
-              <a:t> model.</a:t>
-            </a:r>
-          </a:p>
-          <a:p>
-            <a:pPr eaLnBrk="0" hangingPunct="0">
-              <a:spcBef>
-                <a:spcPct val="0"/>
-              </a:spcBef>
-              <a:spcAft>
-                <a:spcPct val="0"/>
-              </a:spcAft>
-            </a:pPr>
-            <a:r>
-              <a:rPr kumimoji="0" lang="en-US" sz="800" b="0" i="0" u="none" strike="noStrike" cap="none" normalizeH="0" baseline="0" dirty="0" smtClean="0">
-                <a:ln>
-                  <a:noFill/>
-                </a:ln>
-                <a:solidFill>
-                  <a:schemeClr val="tx1"/>
-                </a:solidFill>
-                <a:effectLst/>
-                <a:latin typeface="Arial" pitchFamily="34" charset="0"/>
-                <a:cs typeface="Arial" pitchFamily="34" charset="0"/>
-              </a:rPr>
-              <a:t/>
-            </a:r>
-            <a:br>
-              <a:rPr kumimoji="0" lang="en-US" sz="800" b="0" i="0" u="none" strike="noStrike" cap="none" normalizeH="0" baseline="0" dirty="0" smtClean="0">
-                <a:ln>
-                  <a:noFill/>
-                </a:ln>
-                <a:solidFill>
-                  <a:schemeClr val="tx1"/>
-                </a:solidFill>
-                <a:effectLst/>
-                <a:latin typeface="Arial" pitchFamily="34" charset="0"/>
-                <a:cs typeface="Arial" pitchFamily="34" charset="0"/>
-              </a:rPr>
-            </a:br>
-            <a:r>
-              <a:rPr lang="en-US" sz="1200" b="1" dirty="0">
-                <a:solidFill>
-                  <a:schemeClr val="accent2"/>
-                </a:solidFill>
-                <a:latin typeface="system-ui"/>
-                <a:cs typeface="Arial" pitchFamily="34" charset="0"/>
-              </a:rPr>
-              <a:t>Retrieval and generation</a:t>
-            </a:r>
-            <a:r>
-              <a:rPr lang="en-US" sz="1200" b="1" dirty="0">
-                <a:solidFill>
-                  <a:schemeClr val="accent2"/>
-                </a:solidFill>
-                <a:latin typeface="system-ui"/>
-                <a:cs typeface="Arial" pitchFamily="34" charset="0"/>
-                <a:hlinkClick r:id="rId7" tooltip="Direct link to Retrieval and generation"/>
-              </a:rPr>
-              <a:t>​</a:t>
-            </a:r>
-            <a:endParaRPr lang="en-US" sz="1200" b="1" dirty="0">
-              <a:solidFill>
-                <a:schemeClr val="accent2"/>
-              </a:solidFill>
-              <a:latin typeface="system-ui"/>
-              <a:cs typeface="Arial" pitchFamily="34" charset="0"/>
-            </a:endParaRPr>
-          </a:p>
-          <a:p>
-            <a:pPr eaLnBrk="0" hangingPunct="0">
-              <a:spcBef>
-                <a:spcPct val="0"/>
-              </a:spcBef>
-              <a:spcAft>
-                <a:spcPct val="0"/>
-              </a:spcAft>
-              <a:buFontTx/>
+            <a:pPr marL="457200" indent="-457200">
               <a:buAutoNum type="arabicPeriod"/>
             </a:pPr>
             <a:r>
-              <a:rPr lang="en-US" sz="1200" b="1" dirty="0">
-                <a:solidFill>
-                  <a:schemeClr val="accent2"/>
-                </a:solidFill>
-                <a:latin typeface="system-ui"/>
-                <a:cs typeface="Arial" pitchFamily="34" charset="0"/>
-              </a:rPr>
-              <a:t>Retrieve: Given a user input, relevant splits are retrieved from storage using a </a:t>
-            </a:r>
-            <a:r>
-              <a:rPr lang="en-US" sz="1200" b="1" dirty="0">
-                <a:solidFill>
-                  <a:schemeClr val="accent2"/>
-                </a:solidFill>
-                <a:latin typeface="system-ui"/>
-                <a:cs typeface="Arial" pitchFamily="34" charset="0"/>
-                <a:hlinkClick r:id="rId8"/>
-              </a:rPr>
-              <a:t>Retriever</a:t>
-            </a:r>
-            <a:r>
-              <a:rPr lang="en-US" sz="1200" b="1" dirty="0">
-                <a:solidFill>
-                  <a:schemeClr val="accent2"/>
-                </a:solidFill>
-                <a:latin typeface="system-ui"/>
-                <a:cs typeface="Arial" pitchFamily="34" charset="0"/>
-              </a:rPr>
-              <a:t>.</a:t>
-            </a:r>
-          </a:p>
-          <a:p>
-            <a:pPr eaLnBrk="0" hangingPunct="0">
-              <a:spcBef>
-                <a:spcPct val="0"/>
-              </a:spcBef>
-              <a:spcAft>
-                <a:spcPct val="0"/>
-              </a:spcAft>
-              <a:buFontTx/>
-              <a:buAutoNum type="arabicPeriod"/>
-            </a:pPr>
-            <a:r>
-              <a:rPr lang="en-US" sz="1200" b="1" dirty="0">
-                <a:solidFill>
-                  <a:schemeClr val="accent2"/>
-                </a:solidFill>
-                <a:latin typeface="system-ui"/>
-                <a:cs typeface="Arial" pitchFamily="34" charset="0"/>
-              </a:rPr>
-              <a:t>Generate: A </a:t>
-            </a:r>
-            <a:r>
-              <a:rPr lang="en-US" sz="1200" b="1" dirty="0" err="1">
-                <a:solidFill>
-                  <a:schemeClr val="accent2"/>
-                </a:solidFill>
-                <a:latin typeface="system-ui"/>
-                <a:cs typeface="Arial" pitchFamily="34" charset="0"/>
-                <a:hlinkClick r:id="rId9"/>
-              </a:rPr>
-              <a:t>ChatModel</a:t>
-            </a:r>
-            <a:r>
-              <a:rPr lang="en-US" sz="1200" b="1" dirty="0">
-                <a:solidFill>
-                  <a:schemeClr val="accent2"/>
-                </a:solidFill>
-                <a:latin typeface="system-ui"/>
-                <a:cs typeface="Arial" pitchFamily="34" charset="0"/>
-              </a:rPr>
-              <a:t> / </a:t>
-            </a:r>
-            <a:r>
-              <a:rPr lang="en-US" sz="1200" b="1" dirty="0">
-                <a:solidFill>
-                  <a:schemeClr val="accent2"/>
-                </a:solidFill>
-                <a:latin typeface="system-ui"/>
-                <a:cs typeface="Arial" pitchFamily="34" charset="0"/>
-                <a:hlinkClick r:id="rId10"/>
-              </a:rPr>
-              <a:t>LLM</a:t>
-            </a:r>
-            <a:r>
-              <a:rPr lang="en-US" sz="1200" b="1" dirty="0">
-                <a:solidFill>
-                  <a:schemeClr val="accent2"/>
-                </a:solidFill>
-                <a:latin typeface="system-ui"/>
-                <a:cs typeface="Arial" pitchFamily="34" charset="0"/>
-              </a:rPr>
-              <a:t> produces an answer using a prompt that includes the question and the retrieved data</a:t>
-            </a:r>
-          </a:p>
-          <a:p>
-            <a:pPr marL="0" marR="0" lvl="0" indent="0" algn="l" defTabSz="914400" rtl="0" eaLnBrk="0" fontAlgn="base" latinLnBrk="0" hangingPunct="0">
-              <a:lnSpc>
-                <a:spcPct val="100000"/>
-              </a:lnSpc>
-              <a:spcBef>
-                <a:spcPct val="0"/>
-              </a:spcBef>
-              <a:spcAft>
-                <a:spcPct val="0"/>
-              </a:spcAft>
-              <a:buClrTx/>
-              <a:buSzTx/>
-              <a:buFontTx/>
-              <a:buNone/>
-              <a:tabLst/>
-            </a:pPr>
-            <a:endParaRPr kumimoji="0" lang="en-US" sz="1800" b="0" i="0" u="none" strike="noStrike" cap="none" normalizeH="0" baseline="0" dirty="0" smtClean="0">
-              <a:ln>
-                <a:noFill/>
-              </a:ln>
-              <a:solidFill>
-                <a:schemeClr val="tx1"/>
-              </a:solidFill>
-              <a:effectLst/>
-              <a:latin typeface="Arial" pitchFamily="34" charset="0"/>
-              <a:cs typeface="Arial" pitchFamily="34" charset="0"/>
-            </a:endParaRPr>
-          </a:p>
-        </p:txBody>
-      </p:sp>
-    </p:spTree>
-    <p:extLst>
-      <p:ext uri="{BB962C8B-B14F-4D97-AF65-F5344CB8AC3E}">
-        <p14:creationId xmlns:p14="http://schemas.microsoft.com/office/powerpoint/2010/main" val="2584931954"/>
-      </p:ext>
-    </p:extLst>
-  </p:cSld>
-  <p:clrMapOvr>
-    <a:masterClrMapping/>
-  </p:clrMapOvr>
-</p:sld>
-</file>
-
-<file path=ppt/slides/slide4.xml><?xml version="1.0" encoding="utf-8"?>
-<p:sld xmlns:a="http://schemas.openxmlformats.org/drawingml/2006/main" xmlns:r="http://schemas.openxmlformats.org/officeDocument/2006/relationships" xmlns:p="http://schemas.openxmlformats.org/presentationml/2006/main">
-  <p:cSld>
-    <p:spTree>
-      <p:nvGrpSpPr>
-        <p:cNvPr id="1" name=""/>
-        <p:cNvGrpSpPr/>
-        <p:nvPr/>
-      </p:nvGrpSpPr>
-      <p:grpSpPr>
-        <a:xfrm>
-          <a:off x="0" y="0"/>
-          <a:ext cx="0" cy="0"/>
-          <a:chOff x="0" y="0"/>
-          <a:chExt cx="0" cy="0"/>
-        </a:xfrm>
-      </p:grpSpPr>
-      <p:sp>
-        <p:nvSpPr>
-          <p:cNvPr id="2" name="Title 1">
-            <a:extLst>
-              <a:ext uri="{FF2B5EF4-FFF2-40B4-BE49-F238E27FC236}">
-                <a16:creationId xmlns="" xmlns:a16="http://schemas.microsoft.com/office/drawing/2014/main" id="{BC22D0EC-5238-F4BF-1133-D79265EE0945}"/>
-              </a:ext>
-            </a:extLst>
-          </p:cNvPr>
-          <p:cNvSpPr>
-            <a:spLocks noGrp="1"/>
-          </p:cNvSpPr>
-          <p:nvPr>
-            <p:ph type="title"/>
-          </p:nvPr>
-        </p:nvSpPr>
-        <p:spPr>
-          <a:xfrm>
-            <a:off x="254260" y="182724"/>
-            <a:ext cx="10134600" cy="1030255"/>
-          </a:xfrm>
-        </p:spPr>
-        <p:txBody>
-          <a:bodyPr/>
-          <a:lstStyle/>
-          <a:p>
-            <a:r>
-              <a:rPr lang="en-US" b="1" dirty="0" smtClean="0">
-                <a:solidFill>
-                  <a:schemeClr val="accent3"/>
-                </a:solidFill>
-              </a:rPr>
-              <a:t>Indexing</a:t>
-            </a:r>
-            <a:endParaRPr lang="en-US" b="1" dirty="0">
-              <a:solidFill>
-                <a:schemeClr val="accent3"/>
-              </a:solidFill>
-            </a:endParaRPr>
-          </a:p>
-        </p:txBody>
-      </p:sp>
-      <p:sp>
-        <p:nvSpPr>
-          <p:cNvPr id="4" name="Content Placeholder 3"/>
-          <p:cNvSpPr>
-            <a:spLocks noGrp="1"/>
-          </p:cNvSpPr>
-          <p:nvPr>
-            <p:ph idx="1"/>
-          </p:nvPr>
-        </p:nvSpPr>
-        <p:spPr>
-          <a:xfrm>
-            <a:off x="242597" y="1875453"/>
-            <a:ext cx="10920704" cy="4655976"/>
-          </a:xfrm>
-        </p:spPr>
-        <p:txBody>
-          <a:bodyPr>
-            <a:normAutofit/>
-          </a:bodyPr>
-          <a:lstStyle/>
-          <a:p>
-            <a:endParaRPr lang="en-IN" dirty="0" smtClean="0"/>
-          </a:p>
-          <a:p>
-            <a:endParaRPr lang="en-IN" dirty="0" smtClean="0">
-              <a:solidFill>
-                <a:schemeClr val="accent2"/>
-              </a:solidFill>
-            </a:endParaRPr>
-          </a:p>
-        </p:txBody>
-      </p:sp>
-      <p:sp>
-        <p:nvSpPr>
-          <p:cNvPr id="3" name="Rectangle 2"/>
-          <p:cNvSpPr/>
-          <p:nvPr/>
-        </p:nvSpPr>
-        <p:spPr>
-          <a:xfrm>
-            <a:off x="783772" y="1212979"/>
-            <a:ext cx="9358604" cy="553998"/>
-          </a:xfrm>
-          <a:prstGeom prst="rect">
-            <a:avLst/>
-          </a:prstGeom>
-        </p:spPr>
-        <p:txBody>
-          <a:bodyPr wrap="square">
-            <a:spAutoFit/>
-          </a:bodyPr>
-          <a:lstStyle/>
-          <a:p>
-            <a:r>
-              <a:rPr lang="en-IN" sz="1000" dirty="0">
-                <a:solidFill>
-                  <a:srgbClr val="3B3B3B"/>
-                </a:solidFill>
-                <a:latin typeface="Consolas"/>
-              </a:rPr>
-              <a:t/>
-            </a:r>
-            <a:br>
-              <a:rPr lang="en-IN" sz="1000" dirty="0">
-                <a:solidFill>
-                  <a:srgbClr val="3B3B3B"/>
-                </a:solidFill>
-                <a:latin typeface="Consolas"/>
-              </a:rPr>
-            </a:br>
-            <a:r>
-              <a:rPr lang="en-IN" sz="1000" dirty="0">
-                <a:solidFill>
-                  <a:srgbClr val="3B3B3B"/>
-                </a:solidFill>
-                <a:latin typeface="Consolas"/>
-              </a:rPr>
-              <a:t/>
-            </a:r>
-            <a:br>
-              <a:rPr lang="en-IN" sz="1000" dirty="0">
-                <a:solidFill>
-                  <a:srgbClr val="3B3B3B"/>
-                </a:solidFill>
-                <a:latin typeface="Consolas"/>
-              </a:rPr>
-            </a:br>
-            <a:endParaRPr lang="en-IN" sz="1000" b="0" dirty="0">
-              <a:solidFill>
-                <a:srgbClr val="3B3B3B"/>
-              </a:solidFill>
-              <a:effectLst/>
-              <a:latin typeface="Consolas"/>
-            </a:endParaRPr>
-          </a:p>
-        </p:txBody>
-      </p:sp>
-      <p:pic>
-        <p:nvPicPr>
-          <p:cNvPr id="2050" name="Picture 2" descr="C:\Users\welcome\Downloads\rag_indexing-8160f90a90a33253d0154659cf7d453f.png"/>
-          <p:cNvPicPr>
-            <a:picLocks noChangeAspect="1" noChangeArrowheads="1"/>
-          </p:cNvPicPr>
-          <p:nvPr/>
-        </p:nvPicPr>
-        <p:blipFill>
-          <a:blip r:embed="rId2">
-            <a:extLst>
-              <a:ext uri="{28A0092B-C50C-407E-A947-70E740481C1C}">
-                <a14:useLocalDpi xmlns:a14="http://schemas.microsoft.com/office/drawing/2010/main" val="0"/>
-              </a:ext>
-            </a:extLst>
-          </a:blip>
-          <a:srcRect/>
-          <a:stretch>
-            <a:fillRect/>
-          </a:stretch>
-        </p:blipFill>
-        <p:spPr bwMode="auto">
-          <a:xfrm>
-            <a:off x="370273" y="1212979"/>
-            <a:ext cx="10934701" cy="5499101"/>
-          </a:xfrm>
-          <a:prstGeom prst="rect">
-            <a:avLst/>
-          </a:prstGeom>
-          <a:noFill/>
-          <a:extLst>
-            <a:ext uri="{909E8E84-426E-40DD-AFC4-6F175D3DCCD1}">
-              <a14:hiddenFill xmlns:a14="http://schemas.microsoft.com/office/drawing/2010/main">
-                <a:solidFill>
-                  <a:srgbClr val="FFFFFF"/>
-                </a:solidFill>
-              </a14:hiddenFill>
-            </a:ext>
-          </a:extLst>
-        </p:spPr>
-      </p:pic>
-    </p:spTree>
-    <p:extLst>
-      <p:ext uri="{BB962C8B-B14F-4D97-AF65-F5344CB8AC3E}">
-        <p14:creationId xmlns:p14="http://schemas.microsoft.com/office/powerpoint/2010/main" val="2552610803"/>
-      </p:ext>
-    </p:extLst>
-  </p:cSld>
-  <p:clrMapOvr>
-    <a:masterClrMapping/>
-  </p:clrMapOvr>
-</p:sld>
-</file>
-
-<file path=ppt/slides/slide5.xml><?xml version="1.0" encoding="utf-8"?>
-<p:sld xmlns:a="http://schemas.openxmlformats.org/drawingml/2006/main" xmlns:r="http://schemas.openxmlformats.org/officeDocument/2006/relationships" xmlns:p="http://schemas.openxmlformats.org/presentationml/2006/main">
-  <p:cSld>
-    <p:spTree>
-      <p:nvGrpSpPr>
-        <p:cNvPr id="1" name=""/>
-        <p:cNvGrpSpPr/>
-        <p:nvPr/>
-      </p:nvGrpSpPr>
-      <p:grpSpPr>
-        <a:xfrm>
-          <a:off x="0" y="0"/>
-          <a:ext cx="0" cy="0"/>
-          <a:chOff x="0" y="0"/>
-          <a:chExt cx="0" cy="0"/>
-        </a:xfrm>
-      </p:grpSpPr>
-      <p:sp>
-        <p:nvSpPr>
-          <p:cNvPr id="2" name="Title 1">
-            <a:extLst>
-              <a:ext uri="{FF2B5EF4-FFF2-40B4-BE49-F238E27FC236}">
-                <a16:creationId xmlns="" xmlns:a16="http://schemas.microsoft.com/office/drawing/2014/main" id="{BC22D0EC-5238-F4BF-1133-D79265EE0945}"/>
-              </a:ext>
-            </a:extLst>
-          </p:cNvPr>
-          <p:cNvSpPr>
-            <a:spLocks noGrp="1"/>
-          </p:cNvSpPr>
-          <p:nvPr>
-            <p:ph type="title"/>
-          </p:nvPr>
-        </p:nvSpPr>
-        <p:spPr>
-          <a:xfrm>
-            <a:off x="254260" y="182724"/>
-            <a:ext cx="10134600" cy="1030255"/>
-          </a:xfrm>
-        </p:spPr>
-        <p:txBody>
-          <a:bodyPr/>
-          <a:lstStyle/>
-          <a:p>
-            <a:r>
-              <a:rPr lang="en-IN" b="1" dirty="0">
+              <a:rPr lang="en-IN" dirty="0">
                 <a:solidFill>
                   <a:schemeClr val="accent2"/>
                 </a:solidFill>
               </a:rPr>
-              <a:t>Retrieval and generation</a:t>
-            </a:r>
-          </a:p>
-        </p:txBody>
-      </p:sp>
-      <p:sp>
-        <p:nvSpPr>
-          <p:cNvPr id="4" name="Content Placeholder 3"/>
-          <p:cNvSpPr>
-            <a:spLocks noGrp="1"/>
-          </p:cNvSpPr>
-          <p:nvPr>
-            <p:ph idx="1"/>
-          </p:nvPr>
-        </p:nvSpPr>
-        <p:spPr>
-          <a:xfrm>
-            <a:off x="242597" y="1875453"/>
-            <a:ext cx="10920704" cy="4655976"/>
-          </a:xfrm>
-        </p:spPr>
-        <p:txBody>
-          <a:bodyPr>
-            <a:normAutofit/>
-          </a:bodyPr>
-          <a:lstStyle/>
-          <a:p>
-            <a:endParaRPr lang="en-IN" dirty="0" smtClean="0"/>
-          </a:p>
-          <a:p>
-            <a:endParaRPr lang="en-IN" dirty="0" smtClean="0">
-              <a:solidFill>
-                <a:schemeClr val="accent2"/>
-              </a:solidFill>
-            </a:endParaRPr>
-          </a:p>
-        </p:txBody>
-      </p:sp>
-      <p:sp>
-        <p:nvSpPr>
-          <p:cNvPr id="3" name="Rectangle 2"/>
-          <p:cNvSpPr/>
-          <p:nvPr/>
-        </p:nvSpPr>
-        <p:spPr>
-          <a:xfrm>
-            <a:off x="783772" y="1212979"/>
-            <a:ext cx="9358604" cy="553998"/>
-          </a:xfrm>
-          <a:prstGeom prst="rect">
-            <a:avLst/>
-          </a:prstGeom>
-        </p:spPr>
-        <p:txBody>
-          <a:bodyPr wrap="square">
-            <a:spAutoFit/>
-          </a:bodyPr>
-          <a:lstStyle/>
-          <a:p>
-            <a:r>
-              <a:rPr lang="en-IN" sz="1000" dirty="0">
+              <a:t>Load pdf</a:t>
+            </a:r>
+          </a:p>
+          <a:p>
+            <a:pPr marL="457200" indent="-457200">
+              <a:buAutoNum type="arabicPeriod"/>
+            </a:pPr>
+            <a:r>
+              <a:rPr lang="en-IN" dirty="0">
                 <a:solidFill>
-                  <a:srgbClr val="3B3B3B"/>
+                  <a:schemeClr val="accent2"/>
                 </a:solidFill>
-                <a:latin typeface="Consolas"/>
               </a:rPr>
-              <a:t/>
-            </a:r>
-            <a:br>
-              <a:rPr lang="en-IN" sz="1000" dirty="0">
+              <a:t>Load images from pdf</a:t>
+            </a:r>
+          </a:p>
+          <a:p>
+            <a:pPr marL="457200" indent="-457200">
+              <a:buAutoNum type="arabicPeriod"/>
+            </a:pPr>
+            <a:r>
+              <a:rPr lang="en-IN" dirty="0">
                 <a:solidFill>
-                  <a:srgbClr val="3B3B3B"/>
+                  <a:schemeClr val="accent2"/>
                 </a:solidFill>
-                <a:latin typeface="Consolas"/>
               </a:rPr>
-            </a:br>
-            <a:r>
-              <a:rPr lang="en-IN" sz="1000" dirty="0">
-                <a:solidFill>
-                  <a:srgbClr val="3B3B3B"/>
-                </a:solidFill>
-                <a:latin typeface="Consolas"/>
-              </a:rPr>
-              <a:t/>
-            </a:r>
-            <a:br>
-              <a:rPr lang="en-IN" sz="1000" dirty="0">
-                <a:solidFill>
-                  <a:srgbClr val="3B3B3B"/>
-                </a:solidFill>
-                <a:latin typeface="Consolas"/>
-              </a:rPr>
-            </a:br>
-            <a:endParaRPr lang="en-IN" sz="1000" b="0" dirty="0">
-              <a:solidFill>
-                <a:srgbClr val="3B3B3B"/>
-              </a:solidFill>
-              <a:effectLst/>
-              <a:latin typeface="Consolas"/>
-            </a:endParaRPr>
-          </a:p>
-        </p:txBody>
-      </p:sp>
-      <p:pic>
-        <p:nvPicPr>
-          <p:cNvPr id="3074" name="Picture 2" descr="C:\Users\welcome\Downloads\rag_retrieval_generation-1046a4668d6bb08786ef73c56d4f228a.png"/>
-          <p:cNvPicPr>
-            <a:picLocks noChangeAspect="1" noChangeArrowheads="1"/>
-          </p:cNvPicPr>
-          <p:nvPr/>
-        </p:nvPicPr>
-        <p:blipFill>
-          <a:blip r:embed="rId2">
-            <a:extLst>
-              <a:ext uri="{28A0092B-C50C-407E-A947-70E740481C1C}">
-                <a14:useLocalDpi xmlns:a14="http://schemas.microsoft.com/office/drawing/2010/main" val="0"/>
-              </a:ext>
-            </a:extLst>
-          </a:blip>
-          <a:srcRect/>
-          <a:stretch>
-            <a:fillRect/>
-          </a:stretch>
-        </p:blipFill>
-        <p:spPr bwMode="auto">
-          <a:xfrm>
-            <a:off x="103674" y="1212979"/>
-            <a:ext cx="10718800" cy="5499100"/>
-          </a:xfrm>
-          <a:prstGeom prst="rect">
-            <a:avLst/>
-          </a:prstGeom>
-          <a:noFill/>
-          <a:extLst>
-            <a:ext uri="{909E8E84-426E-40DD-AFC4-6F175D3DCCD1}">
-              <a14:hiddenFill xmlns:a14="http://schemas.microsoft.com/office/drawing/2010/main">
-                <a:solidFill>
-                  <a:srgbClr val="FFFFFF"/>
-                </a:solidFill>
-              </a14:hiddenFill>
-            </a:ext>
-          </a:extLst>
-        </p:spPr>
-      </p:pic>
+              <a:t>Extract information from pdf</a:t>
+            </a:r>
+          </a:p>
+        </p:txBody>
+      </p:sp>
     </p:spTree>
     <p:extLst>
       <p:ext uri="{BB962C8B-B14F-4D97-AF65-F5344CB8AC3E}">
-        <p14:creationId xmlns:p14="http://schemas.microsoft.com/office/powerpoint/2010/main" val="569581339"/>
+        <p14:creationId xmlns:p14="http://schemas.microsoft.com/office/powerpoint/2010/main" val="310006409"/>
       </p:ext>
     </p:extLst>
   </p:cSld>
@@ -6643,7 +5092,7 @@
   <a:extraClrSchemeLst/>
   <a:extLst>
     <a:ext uri="{05A4C25C-085E-4340-85A3-A5531E510DB2}">
-      <thm15:themeFamily xmlns="" xmlns:thm15="http://schemas.microsoft.com/office/thememl/2012/main" name="AdornVTI" id="{497E3FA9-5A27-4D12-9D04-917BEF3D1303}" vid="{34192A01-61CA-4566-9818-841C607496F7}"/>
+      <thm15:themeFamily xmlns:thm15="http://schemas.microsoft.com/office/thememl/2012/main" name="AdornVTI" id="{497E3FA9-5A27-4D12-9D04-917BEF3D1303}" vid="{34192A01-61CA-4566-9818-841C607496F7}"/>
     </a:ext>
   </a:extLst>
 </a:theme>
